--- a/notes/csc493-ln011.pptx
+++ b/notes/csc493-ln011.pptx
@@ -5,10 +5,10 @@
     <p:sldMasterId id="2147483651" r:id="rId1"/>
   </p:sldMasterIdLst>
   <p:notesMasterIdLst>
-    <p:notesMasterId r:id="rId16"/>
+    <p:notesMasterId r:id="rId26"/>
   </p:notesMasterIdLst>
   <p:handoutMasterIdLst>
-    <p:handoutMasterId r:id="rId17"/>
+    <p:handoutMasterId r:id="rId27"/>
   </p:handoutMasterIdLst>
   <p:sldIdLst>
     <p:sldId id="267" r:id="rId2"/>
@@ -24,7 +24,17 @@
     <p:sldId id="277" r:id="rId12"/>
     <p:sldId id="279" r:id="rId13"/>
     <p:sldId id="278" r:id="rId14"/>
-    <p:sldId id="280" r:id="rId15"/>
+    <p:sldId id="281" r:id="rId15"/>
+    <p:sldId id="282" r:id="rId16"/>
+    <p:sldId id="283" r:id="rId17"/>
+    <p:sldId id="284" r:id="rId18"/>
+    <p:sldId id="285" r:id="rId19"/>
+    <p:sldId id="286" r:id="rId20"/>
+    <p:sldId id="287" r:id="rId21"/>
+    <p:sldId id="288" r:id="rId22"/>
+    <p:sldId id="289" r:id="rId23"/>
+    <p:sldId id="280" r:id="rId24"/>
+    <p:sldId id="290" r:id="rId25"/>
   </p:sldIdLst>
   <p:sldSz cx="9144000" cy="6858000" type="screen4x3"/>
   <p:notesSz cx="6856413" cy="9083675"/>
@@ -7385,12 +7395,175 @@
           <a:chExt cx="0" cy="0"/>
         </a:xfrm>
       </p:grpSpPr>
+      <p:sp>
+        <p:nvSpPr>
+          <p:cNvPr id="3" name="Title 2">
+            <a:extLst>
+              <a:ext uri="{FF2B5EF4-FFF2-40B4-BE49-F238E27FC236}">
+                <a16:creationId xmlns:a16="http://schemas.microsoft.com/office/drawing/2014/main" id="{75159FBF-5855-DB4E-A36A-5859386E9E16}"/>
+              </a:ext>
+            </a:extLst>
+          </p:cNvPr>
+          <p:cNvSpPr>
+            <a:spLocks noGrp="1"/>
+          </p:cNvSpPr>
+          <p:nvPr>
+            <p:ph type="title"/>
+          </p:nvPr>
+        </p:nvSpPr>
+        <p:spPr/>
+        <p:txBody>
+          <a:bodyPr/>
+          <a:lstStyle/>
+          <a:p>
+            <a:r>
+              <a:rPr lang="en-US" dirty="0"/>
+              <a:t>Classic Functional Programming</a:t>
+            </a:r>
+          </a:p>
+        </p:txBody>
+      </p:sp>
+      <p:sp>
+        <p:nvSpPr>
+          <p:cNvPr id="4" name="Content Placeholder 3">
+            <a:extLst>
+              <a:ext uri="{FF2B5EF4-FFF2-40B4-BE49-F238E27FC236}">
+                <a16:creationId xmlns:a16="http://schemas.microsoft.com/office/drawing/2014/main" id="{17A69187-7DC9-DD4F-9B48-79BB031EC1DE}"/>
+              </a:ext>
+            </a:extLst>
+          </p:cNvPr>
+          <p:cNvSpPr>
+            <a:spLocks noGrp="1"/>
+          </p:cNvSpPr>
+          <p:nvPr>
+            <p:ph idx="1"/>
+          </p:nvPr>
+        </p:nvSpPr>
+        <p:spPr/>
+        <p:txBody>
+          <a:bodyPr/>
+          <a:lstStyle/>
+          <a:p>
+            <a:r>
+              <a:rPr lang="en-US" dirty="0"/>
+              <a:t>Let’s look at some classic functional programming examples</a:t>
+            </a:r>
+          </a:p>
+          <a:p>
+            <a:r>
+              <a:rPr lang="en-US" dirty="0"/>
+              <a:t>The most noticeable issue of course is that data structures like lists are accessed in a sequential manner with the head-tail pattern </a:t>
+            </a:r>
+            <a:r>
+              <a:rPr lang="en-US"/>
+              <a:t>using recursion.</a:t>
+            </a:r>
+            <a:endParaRPr lang="en-US" dirty="0"/>
+          </a:p>
+        </p:txBody>
+      </p:sp>
+    </p:spTree>
+    <p:extLst>
+      <p:ext uri="{BB962C8B-B14F-4D97-AF65-F5344CB8AC3E}">
+        <p14:creationId xmlns:p14="http://schemas.microsoft.com/office/powerpoint/2010/main" val="884134276"/>
+      </p:ext>
+    </p:extLst>
+  </p:cSld>
+  <p:clrMapOvr>
+    <a:masterClrMapping/>
+  </p:clrMapOvr>
+</p:sld>
+</file>
+
+<file path=ppt/slides/slide15.xml><?xml version="1.0" encoding="utf-8"?>
+<p:sld xmlns:a="http://schemas.openxmlformats.org/drawingml/2006/main" xmlns:r="http://schemas.openxmlformats.org/officeDocument/2006/relationships" xmlns:p="http://schemas.openxmlformats.org/presentationml/2006/main">
+  <p:cSld>
+    <p:spTree>
+      <p:nvGrpSpPr>
+        <p:cNvPr id="1" name=""/>
+        <p:cNvGrpSpPr/>
+        <p:nvPr/>
+      </p:nvGrpSpPr>
+      <p:grpSpPr>
+        <a:xfrm>
+          <a:off x="0" y="0"/>
+          <a:ext cx="0" cy="0"/>
+          <a:chOff x="0" y="0"/>
+          <a:chExt cx="0" cy="0"/>
+        </a:xfrm>
+      </p:grpSpPr>
+      <p:sp>
+        <p:nvSpPr>
+          <p:cNvPr id="2" name="Title 1">
+            <a:extLst>
+              <a:ext uri="{FF2B5EF4-FFF2-40B4-BE49-F238E27FC236}">
+                <a16:creationId xmlns:a16="http://schemas.microsoft.com/office/drawing/2014/main" id="{CD3533CE-7090-B145-9AF1-559F540B126E}"/>
+              </a:ext>
+            </a:extLst>
+          </p:cNvPr>
+          <p:cNvSpPr>
+            <a:spLocks noGrp="1"/>
+          </p:cNvSpPr>
+          <p:nvPr>
+            <p:ph type="title"/>
+          </p:nvPr>
+        </p:nvSpPr>
+        <p:spPr/>
+        <p:txBody>
+          <a:bodyPr/>
+          <a:lstStyle/>
+          <a:p>
+            <a:r>
+              <a:rPr lang="en-US" dirty="0"/>
+              <a:t>Sum/</a:t>
+            </a:r>
+            <a:r>
+              <a:rPr lang="en-US" dirty="0" err="1"/>
+              <a:t>Mult</a:t>
+            </a:r>
+            <a:endParaRPr lang="en-US" dirty="0"/>
+          </a:p>
+        </p:txBody>
+      </p:sp>
+      <p:sp>
+        <p:nvSpPr>
+          <p:cNvPr id="3" name="Content Placeholder 2">
+            <a:extLst>
+              <a:ext uri="{FF2B5EF4-FFF2-40B4-BE49-F238E27FC236}">
+                <a16:creationId xmlns:a16="http://schemas.microsoft.com/office/drawing/2014/main" id="{36289C79-9F37-4C41-898B-D8C9BD6CE28A}"/>
+              </a:ext>
+            </a:extLst>
+          </p:cNvPr>
+          <p:cNvSpPr>
+            <a:spLocks noGrp="1"/>
+          </p:cNvSpPr>
+          <p:nvPr>
+            <p:ph idx="1"/>
+          </p:nvPr>
+        </p:nvSpPr>
+        <p:spPr>
+          <a:xfrm>
+            <a:off x="1524000" y="1905000"/>
+            <a:ext cx="7010400" cy="1143000"/>
+          </a:xfrm>
+        </p:spPr>
+        <p:txBody>
+          <a:bodyPr/>
+          <a:lstStyle/>
+          <a:p>
+            <a:r>
+              <a:rPr lang="en-US" dirty="0"/>
+              <a:t>Sum/multiply all the elements of a list.</a:t>
+            </a:r>
+          </a:p>
+        </p:txBody>
+      </p:sp>
       <p:pic>
         <p:nvPicPr>
-          <p:cNvPr id="7" name="Picture 6">
-            <a:extLst>
-              <a:ext uri="{FF2B5EF4-FFF2-40B4-BE49-F238E27FC236}">
-                <a16:creationId xmlns:a16="http://schemas.microsoft.com/office/drawing/2014/main" id="{A8E1336E-2F6E-8F45-9352-AA8299AC1308}"/>
+          <p:cNvPr id="5" name="Picture 4">
+            <a:extLst>
+              <a:ext uri="{FF2B5EF4-FFF2-40B4-BE49-F238E27FC236}">
+                <a16:creationId xmlns:a16="http://schemas.microsoft.com/office/drawing/2014/main" id="{10839EA3-8EFF-0244-B614-71CB0EA5DF69}"/>
               </a:ext>
             </a:extLst>
           </p:cNvPr>
@@ -7407,8 +7580,8 @@
         </p:blipFill>
         <p:spPr>
           <a:xfrm>
-            <a:off x="304800" y="2438400"/>
-            <a:ext cx="6070600" cy="2806700"/>
+            <a:off x="838200" y="2819400"/>
+            <a:ext cx="4813300" cy="1447800"/>
           </a:xfrm>
           <a:prstGeom prst="rect">
             <a:avLst/>
@@ -7420,48 +7593,12 @@
           </a:ln>
         </p:spPr>
       </p:pic>
-      <p:sp>
-        <p:nvSpPr>
-          <p:cNvPr id="2" name="Title 1">
-            <a:extLst>
-              <a:ext uri="{FF2B5EF4-FFF2-40B4-BE49-F238E27FC236}">
-                <a16:creationId xmlns:a16="http://schemas.microsoft.com/office/drawing/2014/main" id="{78C5FB89-8A14-2F48-94D0-13CC16CCEF34}"/>
-              </a:ext>
-            </a:extLst>
-          </p:cNvPr>
-          <p:cNvSpPr>
-            <a:spLocks noGrp="1"/>
-          </p:cNvSpPr>
-          <p:nvPr>
-            <p:ph type="title"/>
-          </p:nvPr>
-        </p:nvSpPr>
-        <p:spPr/>
-        <p:txBody>
-          <a:bodyPr/>
-          <a:lstStyle/>
-          <a:p>
-            <a:r>
-              <a:rPr lang="en-US" dirty="0"/>
-              <a:t>The </a:t>
-            </a:r>
-            <a:r>
-              <a:rPr lang="en-US" dirty="0" err="1"/>
-              <a:t>QuickSort</a:t>
-            </a:r>
-            <a:r>
-              <a:rPr lang="en-US" dirty="0"/>
-              <a:t> – Purely Functional</a:t>
-            </a:r>
-          </a:p>
-        </p:txBody>
-      </p:sp>
       <p:pic>
         <p:nvPicPr>
-          <p:cNvPr id="8" name="Picture 7">
-            <a:extLst>
-              <a:ext uri="{FF2B5EF4-FFF2-40B4-BE49-F238E27FC236}">
-                <a16:creationId xmlns:a16="http://schemas.microsoft.com/office/drawing/2014/main" id="{ACAFCD02-6D73-E847-8ED3-FFCACDC7B3A5}"/>
+          <p:cNvPr id="6" name="Picture 5">
+            <a:extLst>
+              <a:ext uri="{FF2B5EF4-FFF2-40B4-BE49-F238E27FC236}">
+                <a16:creationId xmlns:a16="http://schemas.microsoft.com/office/drawing/2014/main" id="{1DAD4F05-B08D-E24F-A79F-6580429B83C3}"/>
               </a:ext>
             </a:extLst>
           </p:cNvPr>
@@ -7478,8 +7615,8 @@
         </p:blipFill>
         <p:spPr>
           <a:xfrm>
-            <a:off x="4191000" y="4572000"/>
-            <a:ext cx="3911600" cy="1993900"/>
+            <a:off x="2743200" y="4724400"/>
+            <a:ext cx="5308600" cy="1447800"/>
           </a:xfrm>
           <a:prstGeom prst="rect">
             <a:avLst/>
@@ -7494,7 +7631,529 @@
     </p:spTree>
     <p:extLst>
       <p:ext uri="{BB962C8B-B14F-4D97-AF65-F5344CB8AC3E}">
-        <p14:creationId xmlns:p14="http://schemas.microsoft.com/office/powerpoint/2010/main" val="2870375716"/>
+        <p14:creationId xmlns:p14="http://schemas.microsoft.com/office/powerpoint/2010/main" val="2980976159"/>
+      </p:ext>
+    </p:extLst>
+  </p:cSld>
+  <p:clrMapOvr>
+    <a:masterClrMapping/>
+  </p:clrMapOvr>
+</p:sld>
+</file>
+
+<file path=ppt/slides/slide16.xml><?xml version="1.0" encoding="utf-8"?>
+<p:sld xmlns:a="http://schemas.openxmlformats.org/drawingml/2006/main" xmlns:r="http://schemas.openxmlformats.org/officeDocument/2006/relationships" xmlns:p="http://schemas.openxmlformats.org/presentationml/2006/main">
+  <p:cSld>
+    <p:spTree>
+      <p:nvGrpSpPr>
+        <p:cNvPr id="1" name=""/>
+        <p:cNvGrpSpPr/>
+        <p:nvPr/>
+      </p:nvGrpSpPr>
+      <p:grpSpPr>
+        <a:xfrm>
+          <a:off x="0" y="0"/>
+          <a:ext cx="0" cy="0"/>
+          <a:chOff x="0" y="0"/>
+          <a:chExt cx="0" cy="0"/>
+        </a:xfrm>
+      </p:grpSpPr>
+      <p:sp>
+        <p:nvSpPr>
+          <p:cNvPr id="2" name="Title 1">
+            <a:extLst>
+              <a:ext uri="{FF2B5EF4-FFF2-40B4-BE49-F238E27FC236}">
+                <a16:creationId xmlns:a16="http://schemas.microsoft.com/office/drawing/2014/main" id="{3AC52AFB-6793-F449-9544-1406397D583D}"/>
+              </a:ext>
+            </a:extLst>
+          </p:cNvPr>
+          <p:cNvSpPr>
+            <a:spLocks noGrp="1"/>
+          </p:cNvSpPr>
+          <p:nvPr>
+            <p:ph type="title"/>
+          </p:nvPr>
+        </p:nvSpPr>
+        <p:spPr/>
+        <p:txBody>
+          <a:bodyPr/>
+          <a:lstStyle/>
+          <a:p>
+            <a:r>
+              <a:rPr lang="en-US" dirty="0"/>
+              <a:t>Sum/</a:t>
+            </a:r>
+            <a:r>
+              <a:rPr lang="en-US" dirty="0" err="1"/>
+              <a:t>Mult</a:t>
+            </a:r>
+            <a:endParaRPr lang="en-US" dirty="0"/>
+          </a:p>
+        </p:txBody>
+      </p:sp>
+      <p:sp>
+        <p:nvSpPr>
+          <p:cNvPr id="3" name="Content Placeholder 2">
+            <a:extLst>
+              <a:ext uri="{FF2B5EF4-FFF2-40B4-BE49-F238E27FC236}">
+                <a16:creationId xmlns:a16="http://schemas.microsoft.com/office/drawing/2014/main" id="{B62FC20F-9155-EB4F-B2E6-FA5688481E18}"/>
+              </a:ext>
+            </a:extLst>
+          </p:cNvPr>
+          <p:cNvSpPr>
+            <a:spLocks noGrp="1"/>
+          </p:cNvSpPr>
+          <p:nvPr>
+            <p:ph idx="1"/>
+          </p:nvPr>
+        </p:nvSpPr>
+        <p:spPr/>
+        <p:txBody>
+          <a:bodyPr/>
+          <a:lstStyle/>
+          <a:p>
+            <a:r>
+              <a:rPr lang="en-US" dirty="0"/>
+              <a:t>Identity means it is a value that if added/multiplied to another value returns the original value, </a:t>
+            </a:r>
+            <a:r>
+              <a:rPr lang="en-US" dirty="0" err="1"/>
+              <a:t>e.g</a:t>
+            </a:r>
+            <a:endParaRPr lang="en-US" dirty="0"/>
+          </a:p>
+          <a:p>
+            <a:pPr lvl="1"/>
+            <a:r>
+              <a:rPr lang="en-US" dirty="0"/>
+              <a:t>2+0 = 2</a:t>
+            </a:r>
+          </a:p>
+          <a:p>
+            <a:pPr lvl="1"/>
+            <a:r>
+              <a:rPr lang="en-US" dirty="0"/>
+              <a:t>2*1 = 2</a:t>
+            </a:r>
+          </a:p>
+          <a:p>
+            <a:r>
+              <a:rPr lang="en-US" dirty="0"/>
+              <a:t>In functional algorithm design identity values are often important as part of the </a:t>
+            </a:r>
+            <a:r>
+              <a:rPr lang="en-US" b="1" dirty="0"/>
+              <a:t>recursion base cases</a:t>
+            </a:r>
+            <a:r>
+              <a:rPr lang="en-US" dirty="0"/>
+              <a:t>.</a:t>
+            </a:r>
+          </a:p>
+        </p:txBody>
+      </p:sp>
+    </p:spTree>
+    <p:extLst>
+      <p:ext uri="{BB962C8B-B14F-4D97-AF65-F5344CB8AC3E}">
+        <p14:creationId xmlns:p14="http://schemas.microsoft.com/office/powerpoint/2010/main" val="442561370"/>
+      </p:ext>
+    </p:extLst>
+  </p:cSld>
+  <p:clrMapOvr>
+    <a:masterClrMapping/>
+  </p:clrMapOvr>
+</p:sld>
+</file>
+
+<file path=ppt/slides/slide17.xml><?xml version="1.0" encoding="utf-8"?>
+<p:sld xmlns:a="http://schemas.openxmlformats.org/drawingml/2006/main" xmlns:r="http://schemas.openxmlformats.org/officeDocument/2006/relationships" xmlns:p="http://schemas.openxmlformats.org/presentationml/2006/main">
+  <p:cSld>
+    <p:spTree>
+      <p:nvGrpSpPr>
+        <p:cNvPr id="1" name=""/>
+        <p:cNvGrpSpPr/>
+        <p:nvPr/>
+      </p:nvGrpSpPr>
+      <p:grpSpPr>
+        <a:xfrm>
+          <a:off x="0" y="0"/>
+          <a:ext cx="0" cy="0"/>
+          <a:chOff x="0" y="0"/>
+          <a:chExt cx="0" cy="0"/>
+        </a:xfrm>
+      </p:grpSpPr>
+      <p:sp>
+        <p:nvSpPr>
+          <p:cNvPr id="2" name="Title 1">
+            <a:extLst>
+              <a:ext uri="{FF2B5EF4-FFF2-40B4-BE49-F238E27FC236}">
+                <a16:creationId xmlns:a16="http://schemas.microsoft.com/office/drawing/2014/main" id="{3E841158-EE10-DB40-89E2-5193AC97DBB3}"/>
+              </a:ext>
+            </a:extLst>
+          </p:cNvPr>
+          <p:cNvSpPr>
+            <a:spLocks noGrp="1"/>
+          </p:cNvSpPr>
+          <p:nvPr>
+            <p:ph type="title"/>
+          </p:nvPr>
+        </p:nvSpPr>
+        <p:spPr/>
+        <p:txBody>
+          <a:bodyPr/>
+          <a:lstStyle/>
+          <a:p>
+            <a:r>
+              <a:rPr lang="en-US" dirty="0"/>
+              <a:t>Sum/</a:t>
+            </a:r>
+            <a:r>
+              <a:rPr lang="en-US" dirty="0" err="1"/>
+              <a:t>Mult</a:t>
+            </a:r>
+            <a:endParaRPr lang="en-US" dirty="0"/>
+          </a:p>
+        </p:txBody>
+      </p:sp>
+      <p:sp>
+        <p:nvSpPr>
+          <p:cNvPr id="3" name="Content Placeholder 2">
+            <a:extLst>
+              <a:ext uri="{FF2B5EF4-FFF2-40B4-BE49-F238E27FC236}">
+                <a16:creationId xmlns:a16="http://schemas.microsoft.com/office/drawing/2014/main" id="{9D7BC93D-7A73-F945-8E38-07274BF546AE}"/>
+              </a:ext>
+            </a:extLst>
+          </p:cNvPr>
+          <p:cNvSpPr>
+            <a:spLocks noGrp="1"/>
+          </p:cNvSpPr>
+          <p:nvPr>
+            <p:ph idx="1"/>
+          </p:nvPr>
+        </p:nvSpPr>
+        <p:spPr>
+          <a:xfrm>
+            <a:off x="1524000" y="3505200"/>
+            <a:ext cx="7010400" cy="2514600"/>
+          </a:xfrm>
+        </p:spPr>
+        <p:txBody>
+          <a:bodyPr/>
+          <a:lstStyle/>
+          <a:p>
+            <a:r>
+              <a:rPr lang="en-US" dirty="0"/>
+              <a:t>Consider sum [1,2,3]</a:t>
+            </a:r>
+          </a:p>
+          <a:p>
+            <a:pPr lvl="1"/>
+            <a:r>
+              <a:rPr lang="en-US" dirty="0"/>
+              <a:t>1 + sum [2,3]</a:t>
+            </a:r>
+          </a:p>
+          <a:p>
+            <a:pPr lvl="1"/>
+            <a:r>
+              <a:rPr lang="en-US" dirty="0"/>
+              <a:t>1 + 2 + sum [3]</a:t>
+            </a:r>
+          </a:p>
+          <a:p>
+            <a:pPr lvl="1"/>
+            <a:r>
+              <a:rPr lang="en-US" dirty="0"/>
+              <a:t>1 + 2 + 3 + </a:t>
+            </a:r>
+            <a:r>
+              <a:rPr lang="en-US" dirty="0">
+                <a:solidFill>
+                  <a:srgbClr val="FF0000"/>
+                </a:solidFill>
+              </a:rPr>
+              <a:t>sum []</a:t>
+            </a:r>
+          </a:p>
+          <a:p>
+            <a:pPr lvl="1"/>
+            <a:r>
+              <a:rPr lang="en-US" dirty="0"/>
+              <a:t>1 + 2 + 3 </a:t>
+            </a:r>
+            <a:r>
+              <a:rPr lang="en-US" dirty="0">
+                <a:solidFill>
+                  <a:srgbClr val="FF0000"/>
+                </a:solidFill>
+              </a:rPr>
+              <a:t>+ 0</a:t>
+            </a:r>
+            <a:endParaRPr lang="en-US" dirty="0"/>
+          </a:p>
+        </p:txBody>
+      </p:sp>
+      <p:pic>
+        <p:nvPicPr>
+          <p:cNvPr id="4" name="Picture 3">
+            <a:extLst>
+              <a:ext uri="{FF2B5EF4-FFF2-40B4-BE49-F238E27FC236}">
+                <a16:creationId xmlns:a16="http://schemas.microsoft.com/office/drawing/2014/main" id="{D86ABCC0-BE92-104D-91D0-0D56A0DE6BFF}"/>
+              </a:ext>
+            </a:extLst>
+          </p:cNvPr>
+          <p:cNvPicPr>
+            <a:picLocks noChangeAspect="1"/>
+          </p:cNvPicPr>
+          <p:nvPr/>
+        </p:nvPicPr>
+        <p:blipFill>
+          <a:blip r:embed="rId2"/>
+          <a:stretch>
+            <a:fillRect/>
+          </a:stretch>
+        </p:blipFill>
+        <p:spPr>
+          <a:xfrm>
+            <a:off x="1524000" y="1524000"/>
+            <a:ext cx="4114800" cy="1237697"/>
+          </a:xfrm>
+          <a:prstGeom prst="rect">
+            <a:avLst/>
+          </a:prstGeom>
+          <a:ln>
+            <a:solidFill>
+              <a:schemeClr val="tx1"/>
+            </a:solidFill>
+          </a:ln>
+        </p:spPr>
+      </p:pic>
+    </p:spTree>
+    <p:extLst>
+      <p:ext uri="{BB962C8B-B14F-4D97-AF65-F5344CB8AC3E}">
+        <p14:creationId xmlns:p14="http://schemas.microsoft.com/office/powerpoint/2010/main" val="2299008926"/>
+      </p:ext>
+    </p:extLst>
+  </p:cSld>
+  <p:clrMapOvr>
+    <a:masterClrMapping/>
+  </p:clrMapOvr>
+</p:sld>
+</file>
+
+<file path=ppt/slides/slide18.xml><?xml version="1.0" encoding="utf-8"?>
+<p:sld xmlns:a="http://schemas.openxmlformats.org/drawingml/2006/main" xmlns:r="http://schemas.openxmlformats.org/officeDocument/2006/relationships" xmlns:p="http://schemas.openxmlformats.org/presentationml/2006/main">
+  <p:cSld>
+    <p:spTree>
+      <p:nvGrpSpPr>
+        <p:cNvPr id="1" name=""/>
+        <p:cNvGrpSpPr/>
+        <p:nvPr/>
+      </p:nvGrpSpPr>
+      <p:grpSpPr>
+        <a:xfrm>
+          <a:off x="0" y="0"/>
+          <a:ext cx="0" cy="0"/>
+          <a:chOff x="0" y="0"/>
+          <a:chExt cx="0" cy="0"/>
+        </a:xfrm>
+      </p:grpSpPr>
+      <p:sp>
+        <p:nvSpPr>
+          <p:cNvPr id="2" name="Title 1">
+            <a:extLst>
+              <a:ext uri="{FF2B5EF4-FFF2-40B4-BE49-F238E27FC236}">
+                <a16:creationId xmlns:a16="http://schemas.microsoft.com/office/drawing/2014/main" id="{9EBA986A-AD68-6D41-9529-387F8826C5C5}"/>
+              </a:ext>
+            </a:extLst>
+          </p:cNvPr>
+          <p:cNvSpPr>
+            <a:spLocks noGrp="1"/>
+          </p:cNvSpPr>
+          <p:nvPr>
+            <p:ph type="title"/>
+          </p:nvPr>
+        </p:nvSpPr>
+        <p:spPr/>
+        <p:txBody>
+          <a:bodyPr/>
+          <a:lstStyle/>
+          <a:p>
+            <a:r>
+              <a:rPr lang="en-US" dirty="0"/>
+              <a:t>String Concatenation</a:t>
+            </a:r>
+          </a:p>
+        </p:txBody>
+      </p:sp>
+      <p:sp>
+        <p:nvSpPr>
+          <p:cNvPr id="3" name="Content Placeholder 2">
+            <a:extLst>
+              <a:ext uri="{FF2B5EF4-FFF2-40B4-BE49-F238E27FC236}">
+                <a16:creationId xmlns:a16="http://schemas.microsoft.com/office/drawing/2014/main" id="{91B6E9FD-0F0B-574D-B4AF-D92BB8E18172}"/>
+              </a:ext>
+            </a:extLst>
+          </p:cNvPr>
+          <p:cNvSpPr>
+            <a:spLocks noGrp="1"/>
+          </p:cNvSpPr>
+          <p:nvPr>
+            <p:ph idx="1"/>
+          </p:nvPr>
+        </p:nvSpPr>
+        <p:spPr/>
+        <p:txBody>
+          <a:bodyPr/>
+          <a:lstStyle/>
+          <a:p>
+            <a:r>
+              <a:rPr lang="en-US" dirty="0"/>
+              <a:t>If we consider the + operator to work as a string concatenation operator,</a:t>
+            </a:r>
+          </a:p>
+          <a:p>
+            <a:pPr lvl="1"/>
+            <a:r>
+              <a:rPr lang="en-US" dirty="0"/>
+              <a:t>“</a:t>
+            </a:r>
+            <a:r>
+              <a:rPr lang="en-US" dirty="0" err="1"/>
+              <a:t>abc</a:t>
+            </a:r>
+            <a:r>
+              <a:rPr lang="en-US" dirty="0"/>
+              <a:t>” + “</a:t>
+            </a:r>
+            <a:r>
+              <a:rPr lang="en-US" dirty="0" err="1"/>
+              <a:t>edf</a:t>
+            </a:r>
+            <a:r>
+              <a:rPr lang="en-US" dirty="0"/>
+              <a:t>” = “</a:t>
+            </a:r>
+            <a:r>
+              <a:rPr lang="en-US" dirty="0" err="1"/>
+              <a:t>abcdef</a:t>
+            </a:r>
+            <a:r>
+              <a:rPr lang="en-US" dirty="0"/>
+              <a:t>”</a:t>
+            </a:r>
+          </a:p>
+          <a:p>
+            <a:r>
+              <a:rPr lang="en-US" dirty="0"/>
+              <a:t>What is the identity of string concatenation?</a:t>
+            </a:r>
+          </a:p>
+        </p:txBody>
+      </p:sp>
+    </p:spTree>
+    <p:extLst>
+      <p:ext uri="{BB962C8B-B14F-4D97-AF65-F5344CB8AC3E}">
+        <p14:creationId xmlns:p14="http://schemas.microsoft.com/office/powerpoint/2010/main" val="3377867113"/>
+      </p:ext>
+    </p:extLst>
+  </p:cSld>
+  <p:clrMapOvr>
+    <a:masterClrMapping/>
+  </p:clrMapOvr>
+</p:sld>
+</file>
+
+<file path=ppt/slides/slide19.xml><?xml version="1.0" encoding="utf-8"?>
+<p:sld xmlns:a="http://schemas.openxmlformats.org/drawingml/2006/main" xmlns:r="http://schemas.openxmlformats.org/officeDocument/2006/relationships" xmlns:p="http://schemas.openxmlformats.org/presentationml/2006/main">
+  <p:cSld>
+    <p:spTree>
+      <p:nvGrpSpPr>
+        <p:cNvPr id="1" name=""/>
+        <p:cNvGrpSpPr/>
+        <p:nvPr/>
+      </p:nvGrpSpPr>
+      <p:grpSpPr>
+        <a:xfrm>
+          <a:off x="0" y="0"/>
+          <a:ext cx="0" cy="0"/>
+          <a:chOff x="0" y="0"/>
+          <a:chExt cx="0" cy="0"/>
+        </a:xfrm>
+      </p:grpSpPr>
+      <p:sp>
+        <p:nvSpPr>
+          <p:cNvPr id="2" name="Title 1">
+            <a:extLst>
+              <a:ext uri="{FF2B5EF4-FFF2-40B4-BE49-F238E27FC236}">
+                <a16:creationId xmlns:a16="http://schemas.microsoft.com/office/drawing/2014/main" id="{F4C715A9-95E3-9147-B43C-590C8A379362}"/>
+              </a:ext>
+            </a:extLst>
+          </p:cNvPr>
+          <p:cNvSpPr>
+            <a:spLocks noGrp="1"/>
+          </p:cNvSpPr>
+          <p:nvPr>
+            <p:ph type="title"/>
+          </p:nvPr>
+        </p:nvSpPr>
+        <p:spPr/>
+        <p:txBody>
+          <a:bodyPr/>
+          <a:lstStyle/>
+          <a:p>
+            <a:r>
+              <a:rPr lang="en-US" dirty="0"/>
+              <a:t>Reverse</a:t>
+            </a:r>
+          </a:p>
+        </p:txBody>
+      </p:sp>
+      <p:sp>
+        <p:nvSpPr>
+          <p:cNvPr id="3" name="Content Placeholder 2">
+            <a:extLst>
+              <a:ext uri="{FF2B5EF4-FFF2-40B4-BE49-F238E27FC236}">
+                <a16:creationId xmlns:a16="http://schemas.microsoft.com/office/drawing/2014/main" id="{0F2E3B66-54A4-AC43-971D-41F0C59846C9}"/>
+              </a:ext>
+            </a:extLst>
+          </p:cNvPr>
+          <p:cNvSpPr>
+            <a:spLocks noGrp="1"/>
+          </p:cNvSpPr>
+          <p:nvPr>
+            <p:ph idx="1"/>
+          </p:nvPr>
+        </p:nvSpPr>
+        <p:spPr/>
+        <p:txBody>
+          <a:bodyPr/>
+          <a:lstStyle/>
+          <a:p>
+            <a:r>
+              <a:rPr lang="en-US" dirty="0"/>
+              <a:t>Given a list of values the reverse function reverses that list, e.g.</a:t>
+            </a:r>
+          </a:p>
+          <a:p>
+            <a:pPr lvl="1"/>
+            <a:r>
+              <a:rPr lang="en-US" dirty="0"/>
+              <a:t>reverse [1,2,3] = [3,2,1]</a:t>
+            </a:r>
+          </a:p>
+          <a:p>
+            <a:r>
+              <a:rPr lang="en-US" dirty="0"/>
+              <a:t>Assume that the + operator functions as a list concatenation operator, what is the identity of + as a list concatenation operator?</a:t>
+            </a:r>
+          </a:p>
+        </p:txBody>
+      </p:sp>
+    </p:spTree>
+    <p:extLst>
+      <p:ext uri="{BB962C8B-B14F-4D97-AF65-F5344CB8AC3E}">
+        <p14:creationId xmlns:p14="http://schemas.microsoft.com/office/powerpoint/2010/main" val="1658134734"/>
       </p:ext>
     </p:extLst>
   </p:cSld>
@@ -7728,6 +8387,644 @@
     <p:extLst>
       <p:ext uri="{BB962C8B-B14F-4D97-AF65-F5344CB8AC3E}">
         <p14:creationId xmlns:p14="http://schemas.microsoft.com/office/powerpoint/2010/main" val="1259948418"/>
+      </p:ext>
+    </p:extLst>
+  </p:cSld>
+  <p:clrMapOvr>
+    <a:masterClrMapping/>
+  </p:clrMapOvr>
+</p:sld>
+</file>
+
+<file path=ppt/slides/slide20.xml><?xml version="1.0" encoding="utf-8"?>
+<p:sld xmlns:a="http://schemas.openxmlformats.org/drawingml/2006/main" xmlns:r="http://schemas.openxmlformats.org/officeDocument/2006/relationships" xmlns:p="http://schemas.openxmlformats.org/presentationml/2006/main">
+  <p:cSld>
+    <p:spTree>
+      <p:nvGrpSpPr>
+        <p:cNvPr id="1" name=""/>
+        <p:cNvGrpSpPr/>
+        <p:nvPr/>
+      </p:nvGrpSpPr>
+      <p:grpSpPr>
+        <a:xfrm>
+          <a:off x="0" y="0"/>
+          <a:ext cx="0" cy="0"/>
+          <a:chOff x="0" y="0"/>
+          <a:chExt cx="0" cy="0"/>
+        </a:xfrm>
+      </p:grpSpPr>
+      <p:sp>
+        <p:nvSpPr>
+          <p:cNvPr id="2" name="Title 1">
+            <a:extLst>
+              <a:ext uri="{FF2B5EF4-FFF2-40B4-BE49-F238E27FC236}">
+                <a16:creationId xmlns:a16="http://schemas.microsoft.com/office/drawing/2014/main" id="{B7553CD4-BC61-9F4A-85F9-EB453B8DD9C7}"/>
+              </a:ext>
+            </a:extLst>
+          </p:cNvPr>
+          <p:cNvSpPr>
+            <a:spLocks noGrp="1"/>
+          </p:cNvSpPr>
+          <p:nvPr>
+            <p:ph type="title"/>
+          </p:nvPr>
+        </p:nvSpPr>
+        <p:spPr/>
+        <p:txBody>
+          <a:bodyPr/>
+          <a:lstStyle/>
+          <a:p>
+            <a:r>
+              <a:rPr lang="en-US" dirty="0"/>
+              <a:t>Reverse</a:t>
+            </a:r>
+          </a:p>
+        </p:txBody>
+      </p:sp>
+      <p:sp>
+        <p:nvSpPr>
+          <p:cNvPr id="3" name="Content Placeholder 2">
+            <a:extLst>
+              <a:ext uri="{FF2B5EF4-FFF2-40B4-BE49-F238E27FC236}">
+                <a16:creationId xmlns:a16="http://schemas.microsoft.com/office/drawing/2014/main" id="{7CD301D4-3B86-3742-897F-BE0D6B92286E}"/>
+              </a:ext>
+            </a:extLst>
+          </p:cNvPr>
+          <p:cNvSpPr>
+            <a:spLocks noGrp="1"/>
+          </p:cNvSpPr>
+          <p:nvPr>
+            <p:ph idx="1"/>
+          </p:nvPr>
+        </p:nvSpPr>
+        <p:spPr>
+          <a:xfrm>
+            <a:off x="1524000" y="4038600"/>
+            <a:ext cx="7010400" cy="1981200"/>
+          </a:xfrm>
+        </p:spPr>
+        <p:txBody>
+          <a:bodyPr/>
+          <a:lstStyle/>
+          <a:p>
+            <a:r>
+              <a:rPr lang="en-US" dirty="0"/>
+              <a:t>Note the empty list as the identity of list concatenation.</a:t>
+            </a:r>
+          </a:p>
+        </p:txBody>
+      </p:sp>
+      <p:pic>
+        <p:nvPicPr>
+          <p:cNvPr id="5" name="Picture 4">
+            <a:extLst>
+              <a:ext uri="{FF2B5EF4-FFF2-40B4-BE49-F238E27FC236}">
+                <a16:creationId xmlns:a16="http://schemas.microsoft.com/office/drawing/2014/main" id="{986E5B34-AF96-044C-8888-CDD68C0C25B5}"/>
+              </a:ext>
+            </a:extLst>
+          </p:cNvPr>
+          <p:cNvPicPr>
+            <a:picLocks noChangeAspect="1"/>
+          </p:cNvPicPr>
+          <p:nvPr/>
+        </p:nvPicPr>
+        <p:blipFill>
+          <a:blip r:embed="rId2"/>
+          <a:stretch>
+            <a:fillRect/>
+          </a:stretch>
+        </p:blipFill>
+        <p:spPr>
+          <a:xfrm>
+            <a:off x="2133600" y="1828800"/>
+            <a:ext cx="4546600" cy="1447800"/>
+          </a:xfrm>
+          <a:prstGeom prst="rect">
+            <a:avLst/>
+          </a:prstGeom>
+          <a:ln>
+            <a:solidFill>
+              <a:schemeClr val="tx1"/>
+            </a:solidFill>
+          </a:ln>
+        </p:spPr>
+      </p:pic>
+    </p:spTree>
+    <p:extLst>
+      <p:ext uri="{BB962C8B-B14F-4D97-AF65-F5344CB8AC3E}">
+        <p14:creationId xmlns:p14="http://schemas.microsoft.com/office/powerpoint/2010/main" val="2416899891"/>
+      </p:ext>
+    </p:extLst>
+  </p:cSld>
+  <p:clrMapOvr>
+    <a:masterClrMapping/>
+  </p:clrMapOvr>
+</p:sld>
+</file>
+
+<file path=ppt/slides/slide21.xml><?xml version="1.0" encoding="utf-8"?>
+<p:sld xmlns:a="http://schemas.openxmlformats.org/drawingml/2006/main" xmlns:r="http://schemas.openxmlformats.org/officeDocument/2006/relationships" xmlns:p="http://schemas.openxmlformats.org/presentationml/2006/main">
+  <p:cSld>
+    <p:spTree>
+      <p:nvGrpSpPr>
+        <p:cNvPr id="1" name=""/>
+        <p:cNvGrpSpPr/>
+        <p:nvPr/>
+      </p:nvGrpSpPr>
+      <p:grpSpPr>
+        <a:xfrm>
+          <a:off x="0" y="0"/>
+          <a:ext cx="0" cy="0"/>
+          <a:chOff x="0" y="0"/>
+          <a:chExt cx="0" cy="0"/>
+        </a:xfrm>
+      </p:grpSpPr>
+      <p:sp>
+        <p:nvSpPr>
+          <p:cNvPr id="2" name="Title 1">
+            <a:extLst>
+              <a:ext uri="{FF2B5EF4-FFF2-40B4-BE49-F238E27FC236}">
+                <a16:creationId xmlns:a16="http://schemas.microsoft.com/office/drawing/2014/main" id="{340B8985-5AB5-414A-A703-A32B8D375018}"/>
+              </a:ext>
+            </a:extLst>
+          </p:cNvPr>
+          <p:cNvSpPr>
+            <a:spLocks noGrp="1"/>
+          </p:cNvSpPr>
+          <p:nvPr>
+            <p:ph type="title"/>
+          </p:nvPr>
+        </p:nvSpPr>
+        <p:spPr/>
+        <p:txBody>
+          <a:bodyPr/>
+          <a:lstStyle/>
+          <a:p>
+            <a:r>
+              <a:rPr lang="en-US" dirty="0"/>
+              <a:t>Filter</a:t>
+            </a:r>
+          </a:p>
+        </p:txBody>
+      </p:sp>
+      <p:sp>
+        <p:nvSpPr>
+          <p:cNvPr id="3" name="Content Placeholder 2">
+            <a:extLst>
+              <a:ext uri="{FF2B5EF4-FFF2-40B4-BE49-F238E27FC236}">
+                <a16:creationId xmlns:a16="http://schemas.microsoft.com/office/drawing/2014/main" id="{AE53D745-37A2-A147-96A4-42E2D057D82A}"/>
+              </a:ext>
+            </a:extLst>
+          </p:cNvPr>
+          <p:cNvSpPr>
+            <a:spLocks noGrp="1"/>
+          </p:cNvSpPr>
+          <p:nvPr>
+            <p:ph idx="1"/>
+          </p:nvPr>
+        </p:nvSpPr>
+        <p:spPr/>
+        <p:txBody>
+          <a:bodyPr/>
+          <a:lstStyle/>
+          <a:p>
+            <a:r>
+              <a:rPr lang="en-US" dirty="0"/>
+              <a:t>Another classic functional programming algorithm is ‘filter’,</a:t>
+            </a:r>
+          </a:p>
+          <a:p>
+            <a:pPr lvl="1"/>
+            <a:r>
+              <a:rPr lang="en-US" i="1" dirty="0"/>
+              <a:t>Given a list of values, return a list of values that are smaller/larger than a given pivot value.</a:t>
+            </a:r>
+          </a:p>
+          <a:p>
+            <a:r>
+              <a:rPr lang="en-US" dirty="0"/>
+              <a:t>For example,</a:t>
+            </a:r>
+          </a:p>
+          <a:p>
+            <a:pPr lvl="1"/>
+            <a:r>
+              <a:rPr lang="en-US" dirty="0" err="1"/>
+              <a:t>filter_lt</a:t>
+            </a:r>
+            <a:r>
+              <a:rPr lang="en-US" dirty="0"/>
+              <a:t> ([1,2,3,4,5],4) = [1,2,3]</a:t>
+            </a:r>
+          </a:p>
+        </p:txBody>
+      </p:sp>
+    </p:spTree>
+    <p:extLst>
+      <p:ext uri="{BB962C8B-B14F-4D97-AF65-F5344CB8AC3E}">
+        <p14:creationId xmlns:p14="http://schemas.microsoft.com/office/powerpoint/2010/main" val="1210322890"/>
+      </p:ext>
+    </p:extLst>
+  </p:cSld>
+  <p:clrMapOvr>
+    <a:masterClrMapping/>
+  </p:clrMapOvr>
+</p:sld>
+</file>
+
+<file path=ppt/slides/slide22.xml><?xml version="1.0" encoding="utf-8"?>
+<p:sld xmlns:a="http://schemas.openxmlformats.org/drawingml/2006/main" xmlns:r="http://schemas.openxmlformats.org/officeDocument/2006/relationships" xmlns:p="http://schemas.openxmlformats.org/presentationml/2006/main">
+  <p:cSld>
+    <p:spTree>
+      <p:nvGrpSpPr>
+        <p:cNvPr id="1" name=""/>
+        <p:cNvGrpSpPr/>
+        <p:nvPr/>
+      </p:nvGrpSpPr>
+      <p:grpSpPr>
+        <a:xfrm>
+          <a:off x="0" y="0"/>
+          <a:ext cx="0" cy="0"/>
+          <a:chOff x="0" y="0"/>
+          <a:chExt cx="0" cy="0"/>
+        </a:xfrm>
+      </p:grpSpPr>
+      <p:sp>
+        <p:nvSpPr>
+          <p:cNvPr id="2" name="Title 1">
+            <a:extLst>
+              <a:ext uri="{FF2B5EF4-FFF2-40B4-BE49-F238E27FC236}">
+                <a16:creationId xmlns:a16="http://schemas.microsoft.com/office/drawing/2014/main" id="{2E07004E-0BEE-4B4E-B896-8D0D6B730AA9}"/>
+              </a:ext>
+            </a:extLst>
+          </p:cNvPr>
+          <p:cNvSpPr>
+            <a:spLocks noGrp="1"/>
+          </p:cNvSpPr>
+          <p:nvPr>
+            <p:ph type="title"/>
+          </p:nvPr>
+        </p:nvSpPr>
+        <p:spPr/>
+        <p:txBody>
+          <a:bodyPr/>
+          <a:lstStyle/>
+          <a:p>
+            <a:r>
+              <a:rPr lang="en-US" dirty="0"/>
+              <a:t>Filter</a:t>
+            </a:r>
+          </a:p>
+        </p:txBody>
+      </p:sp>
+      <p:sp>
+        <p:nvSpPr>
+          <p:cNvPr id="3" name="Content Placeholder 2">
+            <a:extLst>
+              <a:ext uri="{FF2B5EF4-FFF2-40B4-BE49-F238E27FC236}">
+                <a16:creationId xmlns:a16="http://schemas.microsoft.com/office/drawing/2014/main" id="{8393D9C4-818F-0841-AE34-1EF69A509FA1}"/>
+              </a:ext>
+            </a:extLst>
+          </p:cNvPr>
+          <p:cNvSpPr>
+            <a:spLocks noGrp="1"/>
+          </p:cNvSpPr>
+          <p:nvPr>
+            <p:ph idx="1"/>
+          </p:nvPr>
+        </p:nvSpPr>
+        <p:spPr>
+          <a:xfrm>
+            <a:off x="1524000" y="1905000"/>
+            <a:ext cx="7010400" cy="2362200"/>
+          </a:xfrm>
+        </p:spPr>
+        <p:txBody>
+          <a:bodyPr>
+            <a:normAutofit fontScale="85000" lnSpcReduction="10000"/>
+          </a:bodyPr>
+          <a:lstStyle/>
+          <a:p>
+            <a:r>
+              <a:rPr lang="en-US" dirty="0"/>
+              <a:t>Again we can observe that the base case is the identity of the fundamental operation in the recursive case: list concatenation</a:t>
+            </a:r>
+          </a:p>
+          <a:p>
+            <a:r>
+              <a:rPr lang="en-US" dirty="0"/>
+              <a:t>Also, in keeping with with declarative programming we see that we “declare” what we want to do with each input configuration.</a:t>
+            </a:r>
+          </a:p>
+        </p:txBody>
+      </p:sp>
+      <p:pic>
+        <p:nvPicPr>
+          <p:cNvPr id="4" name="Picture 3">
+            <a:extLst>
+              <a:ext uri="{FF2B5EF4-FFF2-40B4-BE49-F238E27FC236}">
+                <a16:creationId xmlns:a16="http://schemas.microsoft.com/office/drawing/2014/main" id="{03C4FFDE-0704-8346-8B54-ECD302303EE2}"/>
+              </a:ext>
+            </a:extLst>
+          </p:cNvPr>
+          <p:cNvPicPr>
+            <a:picLocks noChangeAspect="1"/>
+          </p:cNvPicPr>
+          <p:nvPr/>
+        </p:nvPicPr>
+        <p:blipFill>
+          <a:blip r:embed="rId2"/>
+          <a:stretch>
+            <a:fillRect/>
+          </a:stretch>
+        </p:blipFill>
+        <p:spPr>
+          <a:xfrm>
+            <a:off x="2362200" y="4572000"/>
+            <a:ext cx="3606800" cy="1943100"/>
+          </a:xfrm>
+          <a:prstGeom prst="rect">
+            <a:avLst/>
+          </a:prstGeom>
+          <a:ln>
+            <a:solidFill>
+              <a:schemeClr val="tx1"/>
+            </a:solidFill>
+          </a:ln>
+        </p:spPr>
+      </p:pic>
+    </p:spTree>
+    <p:extLst>
+      <p:ext uri="{BB962C8B-B14F-4D97-AF65-F5344CB8AC3E}">
+        <p14:creationId xmlns:p14="http://schemas.microsoft.com/office/powerpoint/2010/main" val="1496074463"/>
+      </p:ext>
+    </p:extLst>
+  </p:cSld>
+  <p:clrMapOvr>
+    <a:masterClrMapping/>
+  </p:clrMapOvr>
+</p:sld>
+</file>
+
+<file path=ppt/slides/slide23.xml><?xml version="1.0" encoding="utf-8"?>
+<p:sld xmlns:a="http://schemas.openxmlformats.org/drawingml/2006/main" xmlns:r="http://schemas.openxmlformats.org/officeDocument/2006/relationships" xmlns:p="http://schemas.openxmlformats.org/presentationml/2006/main">
+  <p:cSld>
+    <p:spTree>
+      <p:nvGrpSpPr>
+        <p:cNvPr id="1" name=""/>
+        <p:cNvGrpSpPr/>
+        <p:nvPr/>
+      </p:nvGrpSpPr>
+      <p:grpSpPr>
+        <a:xfrm>
+          <a:off x="0" y="0"/>
+          <a:ext cx="0" cy="0"/>
+          <a:chOff x="0" y="0"/>
+          <a:chExt cx="0" cy="0"/>
+        </a:xfrm>
+      </p:grpSpPr>
+      <p:sp>
+        <p:nvSpPr>
+          <p:cNvPr id="2" name="Title 1">
+            <a:extLst>
+              <a:ext uri="{FF2B5EF4-FFF2-40B4-BE49-F238E27FC236}">
+                <a16:creationId xmlns:a16="http://schemas.microsoft.com/office/drawing/2014/main" id="{78C5FB89-8A14-2F48-94D0-13CC16CCEF34}"/>
+              </a:ext>
+            </a:extLst>
+          </p:cNvPr>
+          <p:cNvSpPr>
+            <a:spLocks noGrp="1"/>
+          </p:cNvSpPr>
+          <p:nvPr>
+            <p:ph type="title"/>
+          </p:nvPr>
+        </p:nvSpPr>
+        <p:spPr/>
+        <p:txBody>
+          <a:bodyPr/>
+          <a:lstStyle/>
+          <a:p>
+            <a:r>
+              <a:rPr lang="en-US" dirty="0" err="1"/>
+              <a:t>QuickSort</a:t>
+            </a:r>
+            <a:endParaRPr lang="en-US" dirty="0"/>
+          </a:p>
+        </p:txBody>
+      </p:sp>
+      <p:sp>
+        <p:nvSpPr>
+          <p:cNvPr id="9" name="Content Placeholder 8">
+            <a:extLst>
+              <a:ext uri="{FF2B5EF4-FFF2-40B4-BE49-F238E27FC236}">
+                <a16:creationId xmlns:a16="http://schemas.microsoft.com/office/drawing/2014/main" id="{FD119E34-D7C8-0C4B-9C5F-B86975F3DDF6}"/>
+              </a:ext>
+            </a:extLst>
+          </p:cNvPr>
+          <p:cNvSpPr>
+            <a:spLocks noGrp="1"/>
+          </p:cNvSpPr>
+          <p:nvPr>
+            <p:ph idx="1"/>
+          </p:nvPr>
+        </p:nvSpPr>
+        <p:spPr/>
+        <p:txBody>
+          <a:bodyPr/>
+          <a:lstStyle/>
+          <a:p>
+            <a:r>
+              <a:rPr lang="en-US" dirty="0"/>
+              <a:t>Sort a list according to the quicksort algorithm - recursive partitioning according to a pivot value,</a:t>
+            </a:r>
+          </a:p>
+          <a:p>
+            <a:pPr lvl="1"/>
+            <a:r>
+              <a:rPr lang="en-US" dirty="0" err="1"/>
+              <a:t>qsort</a:t>
+            </a:r>
+            <a:r>
+              <a:rPr lang="en-US" dirty="0"/>
+              <a:t> [3,1,2] = [1,2,3]</a:t>
+            </a:r>
+          </a:p>
+          <a:p>
+            <a:r>
+              <a:rPr lang="en-US" dirty="0"/>
+              <a:t>In the declarative setting this algorithm is straight forward.</a:t>
+            </a:r>
+          </a:p>
+        </p:txBody>
+      </p:sp>
+    </p:spTree>
+    <p:extLst>
+      <p:ext uri="{BB962C8B-B14F-4D97-AF65-F5344CB8AC3E}">
+        <p14:creationId xmlns:p14="http://schemas.microsoft.com/office/powerpoint/2010/main" val="2870375716"/>
+      </p:ext>
+    </p:extLst>
+  </p:cSld>
+  <p:clrMapOvr>
+    <a:masterClrMapping/>
+  </p:clrMapOvr>
+</p:sld>
+</file>
+
+<file path=ppt/slides/slide24.xml><?xml version="1.0" encoding="utf-8"?>
+<p:sld xmlns:a="http://schemas.openxmlformats.org/drawingml/2006/main" xmlns:r="http://schemas.openxmlformats.org/officeDocument/2006/relationships" xmlns:p="http://schemas.openxmlformats.org/presentationml/2006/main">
+  <p:cSld>
+    <p:spTree>
+      <p:nvGrpSpPr>
+        <p:cNvPr id="1" name=""/>
+        <p:cNvGrpSpPr/>
+        <p:nvPr/>
+      </p:nvGrpSpPr>
+      <p:grpSpPr>
+        <a:xfrm>
+          <a:off x="0" y="0"/>
+          <a:ext cx="0" cy="0"/>
+          <a:chOff x="0" y="0"/>
+          <a:chExt cx="0" cy="0"/>
+        </a:xfrm>
+      </p:grpSpPr>
+      <p:sp>
+        <p:nvSpPr>
+          <p:cNvPr id="2" name="Title 1">
+            <a:extLst>
+              <a:ext uri="{FF2B5EF4-FFF2-40B4-BE49-F238E27FC236}">
+                <a16:creationId xmlns:a16="http://schemas.microsoft.com/office/drawing/2014/main" id="{11174221-22E3-A547-A59A-B3978F593692}"/>
+              </a:ext>
+            </a:extLst>
+          </p:cNvPr>
+          <p:cNvSpPr>
+            <a:spLocks noGrp="1"/>
+          </p:cNvSpPr>
+          <p:nvPr>
+            <p:ph type="title"/>
+          </p:nvPr>
+        </p:nvSpPr>
+        <p:spPr/>
+        <p:txBody>
+          <a:bodyPr/>
+          <a:lstStyle/>
+          <a:p>
+            <a:r>
+              <a:rPr lang="en-US" dirty="0" err="1"/>
+              <a:t>QuickSort</a:t>
+            </a:r>
+            <a:endParaRPr lang="en-US" dirty="0"/>
+          </a:p>
+        </p:txBody>
+      </p:sp>
+      <p:pic>
+        <p:nvPicPr>
+          <p:cNvPr id="4" name="Picture 3">
+            <a:extLst>
+              <a:ext uri="{FF2B5EF4-FFF2-40B4-BE49-F238E27FC236}">
+                <a16:creationId xmlns:a16="http://schemas.microsoft.com/office/drawing/2014/main" id="{EF58851B-E06E-E048-9666-BFD12025E046}"/>
+              </a:ext>
+            </a:extLst>
+          </p:cNvPr>
+          <p:cNvPicPr>
+            <a:picLocks noChangeAspect="1"/>
+          </p:cNvPicPr>
+          <p:nvPr/>
+        </p:nvPicPr>
+        <p:blipFill>
+          <a:blip r:embed="rId2"/>
+          <a:stretch>
+            <a:fillRect/>
+          </a:stretch>
+        </p:blipFill>
+        <p:spPr>
+          <a:xfrm>
+            <a:off x="5080000" y="762000"/>
+            <a:ext cx="3606800" cy="1943100"/>
+          </a:xfrm>
+          <a:prstGeom prst="rect">
+            <a:avLst/>
+          </a:prstGeom>
+          <a:ln>
+            <a:solidFill>
+              <a:schemeClr val="tx1"/>
+            </a:solidFill>
+          </a:ln>
+        </p:spPr>
+      </p:pic>
+      <p:pic>
+        <p:nvPicPr>
+          <p:cNvPr id="5" name="Picture 4">
+            <a:extLst>
+              <a:ext uri="{FF2B5EF4-FFF2-40B4-BE49-F238E27FC236}">
+                <a16:creationId xmlns:a16="http://schemas.microsoft.com/office/drawing/2014/main" id="{189F4F2E-4944-C24E-917C-DE1FF37D3490}"/>
+              </a:ext>
+            </a:extLst>
+          </p:cNvPr>
+          <p:cNvPicPr>
+            <a:picLocks noChangeAspect="1"/>
+          </p:cNvPicPr>
+          <p:nvPr/>
+        </p:nvPicPr>
+        <p:blipFill>
+          <a:blip r:embed="rId3"/>
+          <a:stretch>
+            <a:fillRect/>
+          </a:stretch>
+        </p:blipFill>
+        <p:spPr>
+          <a:xfrm>
+            <a:off x="5080000" y="2895600"/>
+            <a:ext cx="3606800" cy="1943100"/>
+          </a:xfrm>
+          <a:prstGeom prst="rect">
+            <a:avLst/>
+          </a:prstGeom>
+          <a:ln>
+            <a:solidFill>
+              <a:schemeClr val="tx1"/>
+            </a:solidFill>
+          </a:ln>
+        </p:spPr>
+      </p:pic>
+      <p:pic>
+        <p:nvPicPr>
+          <p:cNvPr id="7" name="Picture 6">
+            <a:extLst>
+              <a:ext uri="{FF2B5EF4-FFF2-40B4-BE49-F238E27FC236}">
+                <a16:creationId xmlns:a16="http://schemas.microsoft.com/office/drawing/2014/main" id="{D3E0E6C5-E1EE-AF40-A525-196A44A105A4}"/>
+              </a:ext>
+            </a:extLst>
+          </p:cNvPr>
+          <p:cNvPicPr>
+            <a:picLocks noChangeAspect="1"/>
+          </p:cNvPicPr>
+          <p:nvPr/>
+        </p:nvPicPr>
+        <p:blipFill>
+          <a:blip r:embed="rId4"/>
+          <a:stretch>
+            <a:fillRect/>
+          </a:stretch>
+        </p:blipFill>
+        <p:spPr>
+          <a:xfrm>
+            <a:off x="812800" y="2362200"/>
+            <a:ext cx="3759200" cy="1981200"/>
+          </a:xfrm>
+          <a:prstGeom prst="rect">
+            <a:avLst/>
+          </a:prstGeom>
+          <a:ln>
+            <a:solidFill>
+              <a:schemeClr val="tx1"/>
+            </a:solidFill>
+          </a:ln>
+        </p:spPr>
+      </p:pic>
+    </p:spTree>
+    <p:extLst>
+      <p:ext uri="{BB962C8B-B14F-4D97-AF65-F5344CB8AC3E}">
+        <p14:creationId xmlns:p14="http://schemas.microsoft.com/office/powerpoint/2010/main" val="2582130662"/>
       </p:ext>
     </p:extLst>
   </p:cSld>

--- a/notes/csc493-ln011.pptx
+++ b/notes/csc493-ln011.pptx
@@ -241,14 +241,14 @@
           <a:effectLst/>
           <a:extLst>
             <a:ext uri="{909E8E84-426E-40dd-AFC4-6F175D3DCCD1}">
-              <a14:hiddenFill xmlns="" xmlns:a14="http://schemas.microsoft.com/office/drawing/2010/main">
+              <a14:hiddenFill xmlns:a14="http://schemas.microsoft.com/office/drawing/2010/main" xmlns="">
                 <a:solidFill>
                   <a:schemeClr val="accent1"/>
                 </a:solidFill>
               </a14:hiddenFill>
             </a:ext>
             <a:ext uri="{91240B29-F687-4f45-9708-019B960494DF}">
-              <a14:hiddenLine xmlns="" xmlns:a14="http://schemas.microsoft.com/office/drawing/2010/main" w="9525">
+              <a14:hiddenLine xmlns:a14="http://schemas.microsoft.com/office/drawing/2010/main" xmlns="" w="9525">
                 <a:solidFill>
                   <a:schemeClr val="tx1"/>
                 </a:solidFill>
@@ -258,7 +258,7 @@
               </a14:hiddenLine>
             </a:ext>
             <a:ext uri="{AF507438-7753-43e0-B8FC-AC1667EBCBE1}">
-              <a14:hiddenEffects xmlns="" xmlns:a14="http://schemas.microsoft.com/office/drawing/2010/main">
+              <a14:hiddenEffects xmlns:a14="http://schemas.microsoft.com/office/drawing/2010/main" xmlns="">
                 <a:effectLst>
                   <a:outerShdw blurRad="63500" dist="38099" dir="2700000" algn="ctr" rotWithShape="0">
                     <a:schemeClr val="bg2">
@@ -269,7 +269,7 @@
               </a14:hiddenEffects>
             </a:ext>
             <a:ext uri="{FAA26D3D-D897-4be2-8F04-BA451C77F1D7}">
-              <ma14:placeholderFlag xmlns="" xmlns:ma14="http://schemas.microsoft.com/office/mac/drawingml/2011/main" val="1"/>
+              <ma14:placeholderFlag xmlns:ma14="http://schemas.microsoft.com/office/mac/drawingml/2011/main" xmlns="" val="1"/>
             </a:ext>
           </a:extLst>
         </p:spPr>
@@ -327,14 +327,14 @@
           <a:effectLst/>
           <a:extLst>
             <a:ext uri="{909E8E84-426E-40dd-AFC4-6F175D3DCCD1}">
-              <a14:hiddenFill xmlns="" xmlns:a14="http://schemas.microsoft.com/office/drawing/2010/main">
+              <a14:hiddenFill xmlns:a14="http://schemas.microsoft.com/office/drawing/2010/main" xmlns="">
                 <a:solidFill>
                   <a:schemeClr val="accent1"/>
                 </a:solidFill>
               </a14:hiddenFill>
             </a:ext>
             <a:ext uri="{91240B29-F687-4f45-9708-019B960494DF}">
-              <a14:hiddenLine xmlns="" xmlns:a14="http://schemas.microsoft.com/office/drawing/2010/main" w="9525">
+              <a14:hiddenLine xmlns:a14="http://schemas.microsoft.com/office/drawing/2010/main" xmlns="" w="9525">
                 <a:solidFill>
                   <a:schemeClr val="tx1"/>
                 </a:solidFill>
@@ -344,7 +344,7 @@
               </a14:hiddenLine>
             </a:ext>
             <a:ext uri="{AF507438-7753-43e0-B8FC-AC1667EBCBE1}">
-              <a14:hiddenEffects xmlns="" xmlns:a14="http://schemas.microsoft.com/office/drawing/2010/main">
+              <a14:hiddenEffects xmlns:a14="http://schemas.microsoft.com/office/drawing/2010/main" xmlns="">
                 <a:effectLst>
                   <a:outerShdw blurRad="63500" dist="38099" dir="2700000" algn="ctr" rotWithShape="0">
                     <a:schemeClr val="bg2">
@@ -355,7 +355,7 @@
               </a14:hiddenEffects>
             </a:ext>
             <a:ext uri="{FAA26D3D-D897-4be2-8F04-BA451C77F1D7}">
-              <ma14:placeholderFlag xmlns="" xmlns:ma14="http://schemas.microsoft.com/office/mac/drawingml/2011/main" val="1"/>
+              <ma14:placeholderFlag xmlns:ma14="http://schemas.microsoft.com/office/mac/drawingml/2011/main" xmlns="" val="1"/>
             </a:ext>
           </a:extLst>
         </p:spPr>
@@ -413,14 +413,14 @@
           <a:effectLst/>
           <a:extLst>
             <a:ext uri="{909E8E84-426E-40dd-AFC4-6F175D3DCCD1}">
-              <a14:hiddenFill xmlns="" xmlns:a14="http://schemas.microsoft.com/office/drawing/2010/main">
+              <a14:hiddenFill xmlns:a14="http://schemas.microsoft.com/office/drawing/2010/main" xmlns="">
                 <a:solidFill>
                   <a:schemeClr val="accent1"/>
                 </a:solidFill>
               </a14:hiddenFill>
             </a:ext>
             <a:ext uri="{91240B29-F687-4f45-9708-019B960494DF}">
-              <a14:hiddenLine xmlns="" xmlns:a14="http://schemas.microsoft.com/office/drawing/2010/main" w="9525">
+              <a14:hiddenLine xmlns:a14="http://schemas.microsoft.com/office/drawing/2010/main" xmlns="" w="9525">
                 <a:solidFill>
                   <a:schemeClr val="tx1"/>
                 </a:solidFill>
@@ -430,7 +430,7 @@
               </a14:hiddenLine>
             </a:ext>
             <a:ext uri="{AF507438-7753-43e0-B8FC-AC1667EBCBE1}">
-              <a14:hiddenEffects xmlns="" xmlns:a14="http://schemas.microsoft.com/office/drawing/2010/main">
+              <a14:hiddenEffects xmlns:a14="http://schemas.microsoft.com/office/drawing/2010/main" xmlns="">
                 <a:effectLst>
                   <a:outerShdw blurRad="63500" dist="38099" dir="2700000" algn="ctr" rotWithShape="0">
                     <a:schemeClr val="bg2">
@@ -441,7 +441,7 @@
               </a14:hiddenEffects>
             </a:ext>
             <a:ext uri="{FAA26D3D-D897-4be2-8F04-BA451C77F1D7}">
-              <ma14:placeholderFlag xmlns="" xmlns:ma14="http://schemas.microsoft.com/office/mac/drawingml/2011/main" val="1"/>
+              <ma14:placeholderFlag xmlns:ma14="http://schemas.microsoft.com/office/mac/drawingml/2011/main" xmlns="" val="1"/>
             </a:ext>
           </a:extLst>
         </p:spPr>
@@ -499,14 +499,14 @@
           <a:effectLst/>
           <a:extLst>
             <a:ext uri="{909E8E84-426E-40dd-AFC4-6F175D3DCCD1}">
-              <a14:hiddenFill xmlns="" xmlns:a14="http://schemas.microsoft.com/office/drawing/2010/main">
+              <a14:hiddenFill xmlns:a14="http://schemas.microsoft.com/office/drawing/2010/main" xmlns="">
                 <a:solidFill>
                   <a:schemeClr val="accent1"/>
                 </a:solidFill>
               </a14:hiddenFill>
             </a:ext>
             <a:ext uri="{91240B29-F687-4f45-9708-019B960494DF}">
-              <a14:hiddenLine xmlns="" xmlns:a14="http://schemas.microsoft.com/office/drawing/2010/main" w="9525">
+              <a14:hiddenLine xmlns:a14="http://schemas.microsoft.com/office/drawing/2010/main" xmlns="" w="9525">
                 <a:solidFill>
                   <a:schemeClr val="tx1"/>
                 </a:solidFill>
@@ -516,7 +516,7 @@
               </a14:hiddenLine>
             </a:ext>
             <a:ext uri="{AF507438-7753-43e0-B8FC-AC1667EBCBE1}">
-              <a14:hiddenEffects xmlns="" xmlns:a14="http://schemas.microsoft.com/office/drawing/2010/main">
+              <a14:hiddenEffects xmlns:a14="http://schemas.microsoft.com/office/drawing/2010/main" xmlns="">
                 <a:effectLst>
                   <a:outerShdw blurRad="63500" dist="38099" dir="2700000" algn="ctr" rotWithShape="0">
                     <a:schemeClr val="bg2">
@@ -527,7 +527,7 @@
               </a14:hiddenEffects>
             </a:ext>
             <a:ext uri="{FAA26D3D-D897-4be2-8F04-BA451C77F1D7}">
-              <ma14:placeholderFlag xmlns="" xmlns:ma14="http://schemas.microsoft.com/office/mac/drawingml/2011/main" val="1"/>
+              <ma14:placeholderFlag xmlns:ma14="http://schemas.microsoft.com/office/mac/drawingml/2011/main" xmlns="" val="1"/>
             </a:ext>
           </a:extLst>
         </p:spPr>
@@ -619,14 +619,14 @@
           <a:effectLst/>
           <a:extLst>
             <a:ext uri="{909E8E84-426E-40dd-AFC4-6F175D3DCCD1}">
-              <a14:hiddenFill xmlns="" xmlns:a14="http://schemas.microsoft.com/office/drawing/2010/main">
+              <a14:hiddenFill xmlns:a14="http://schemas.microsoft.com/office/drawing/2010/main" xmlns="">
                 <a:solidFill>
                   <a:schemeClr val="accent1"/>
                 </a:solidFill>
               </a14:hiddenFill>
             </a:ext>
             <a:ext uri="{91240B29-F687-4f45-9708-019B960494DF}">
-              <a14:hiddenLine xmlns="" xmlns:a14="http://schemas.microsoft.com/office/drawing/2010/main" w="9525">
+              <a14:hiddenLine xmlns:a14="http://schemas.microsoft.com/office/drawing/2010/main" xmlns="" w="9525">
                 <a:solidFill>
                   <a:schemeClr val="tx1"/>
                 </a:solidFill>
@@ -636,7 +636,7 @@
               </a14:hiddenLine>
             </a:ext>
             <a:ext uri="{AF507438-7753-43e0-B8FC-AC1667EBCBE1}">
-              <a14:hiddenEffects xmlns="" xmlns:a14="http://schemas.microsoft.com/office/drawing/2010/main">
+              <a14:hiddenEffects xmlns:a14="http://schemas.microsoft.com/office/drawing/2010/main" xmlns="">
                 <a:effectLst>
                   <a:outerShdw blurRad="63500" dist="38099" dir="2700000" algn="ctr" rotWithShape="0">
                     <a:schemeClr val="bg2">
@@ -647,7 +647,7 @@
               </a14:hiddenEffects>
             </a:ext>
             <a:ext uri="{FAA26D3D-D897-4be2-8F04-BA451C77F1D7}">
-              <ma14:placeholderFlag xmlns="" xmlns:ma14="http://schemas.microsoft.com/office/mac/drawingml/2011/main" val="1"/>
+              <ma14:placeholderFlag xmlns:ma14="http://schemas.microsoft.com/office/mac/drawingml/2011/main" xmlns="" val="1"/>
             </a:ext>
           </a:extLst>
         </p:spPr>
@@ -705,14 +705,14 @@
           <a:effectLst/>
           <a:extLst>
             <a:ext uri="{909E8E84-426E-40dd-AFC4-6F175D3DCCD1}">
-              <a14:hiddenFill xmlns="" xmlns:a14="http://schemas.microsoft.com/office/drawing/2010/main">
+              <a14:hiddenFill xmlns:a14="http://schemas.microsoft.com/office/drawing/2010/main" xmlns="">
                 <a:solidFill>
                   <a:schemeClr val="accent1"/>
                 </a:solidFill>
               </a14:hiddenFill>
             </a:ext>
             <a:ext uri="{91240B29-F687-4f45-9708-019B960494DF}">
-              <a14:hiddenLine xmlns="" xmlns:a14="http://schemas.microsoft.com/office/drawing/2010/main" w="9525">
+              <a14:hiddenLine xmlns:a14="http://schemas.microsoft.com/office/drawing/2010/main" xmlns="" w="9525">
                 <a:solidFill>
                   <a:schemeClr val="tx1"/>
                 </a:solidFill>
@@ -722,7 +722,7 @@
               </a14:hiddenLine>
             </a:ext>
             <a:ext uri="{AF507438-7753-43e0-B8FC-AC1667EBCBE1}">
-              <a14:hiddenEffects xmlns="" xmlns:a14="http://schemas.microsoft.com/office/drawing/2010/main">
+              <a14:hiddenEffects xmlns:a14="http://schemas.microsoft.com/office/drawing/2010/main" xmlns="">
                 <a:effectLst>
                   <a:outerShdw blurRad="63500" dist="38099" dir="2700000" algn="ctr" rotWithShape="0">
                     <a:schemeClr val="bg2">
@@ -733,7 +733,7 @@
               </a14:hiddenEffects>
             </a:ext>
             <a:ext uri="{FAA26D3D-D897-4be2-8F04-BA451C77F1D7}">
-              <ma14:placeholderFlag xmlns="" xmlns:ma14="http://schemas.microsoft.com/office/mac/drawingml/2011/main" val="1"/>
+              <ma14:placeholderFlag xmlns:ma14="http://schemas.microsoft.com/office/mac/drawingml/2011/main" xmlns="" val="1"/>
             </a:ext>
           </a:extLst>
         </p:spPr>
@@ -796,7 +796,7 @@
           <a:effectLst/>
           <a:extLst>
             <a:ext uri="{AF507438-7753-43e0-B8FC-AC1667EBCBE1}">
-              <a14:hiddenEffects xmlns="" xmlns:a14="http://schemas.microsoft.com/office/drawing/2010/main">
+              <a14:hiddenEffects xmlns:a14="http://schemas.microsoft.com/office/drawing/2010/main" xmlns="">
                 <a:effectLst>
                   <a:outerShdw blurRad="63500" dist="38099" dir="2700000" algn="ctr" rotWithShape="0">
                     <a:srgbClr val="000000">
@@ -807,7 +807,7 @@
               </a14:hiddenEffects>
             </a:ext>
             <a:ext uri="{53640926-AAD7-44d8-BBD7-CCE9431645EC}">
-              <a14:shadowObscured xmlns="" xmlns:a14="http://schemas.microsoft.com/office/drawing/2010/main" val="1"/>
+              <a14:shadowObscured xmlns:a14="http://schemas.microsoft.com/office/drawing/2010/main" xmlns="" val="1"/>
             </a:ext>
           </a:extLst>
         </p:spPr>
@@ -843,14 +843,14 @@
           <a:effectLst/>
           <a:extLst>
             <a:ext uri="{909E8E84-426E-40dd-AFC4-6F175D3DCCD1}">
-              <a14:hiddenFill xmlns="" xmlns:a14="http://schemas.microsoft.com/office/drawing/2010/main">
+              <a14:hiddenFill xmlns:a14="http://schemas.microsoft.com/office/drawing/2010/main" xmlns="">
                 <a:solidFill>
                   <a:schemeClr val="accent1"/>
                 </a:solidFill>
               </a14:hiddenFill>
             </a:ext>
             <a:ext uri="{91240B29-F687-4f45-9708-019B960494DF}">
-              <a14:hiddenLine xmlns="" xmlns:a14="http://schemas.microsoft.com/office/drawing/2010/main" w="9525">
+              <a14:hiddenLine xmlns:a14="http://schemas.microsoft.com/office/drawing/2010/main" xmlns="" w="9525">
                 <a:solidFill>
                   <a:schemeClr val="tx1"/>
                 </a:solidFill>
@@ -860,7 +860,7 @@
               </a14:hiddenLine>
             </a:ext>
             <a:ext uri="{AF507438-7753-43e0-B8FC-AC1667EBCBE1}">
-              <a14:hiddenEffects xmlns="" xmlns:a14="http://schemas.microsoft.com/office/drawing/2010/main">
+              <a14:hiddenEffects xmlns:a14="http://schemas.microsoft.com/office/drawing/2010/main" xmlns="">
                 <a:effectLst>
                   <a:outerShdw blurRad="63500" dist="38099" dir="2700000" algn="ctr" rotWithShape="0">
                     <a:schemeClr val="bg2">
@@ -871,7 +871,7 @@
               </a14:hiddenEffects>
             </a:ext>
             <a:ext uri="{FAA26D3D-D897-4be2-8F04-BA451C77F1D7}">
-              <ma14:placeholderFlag xmlns="" xmlns:ma14="http://schemas.microsoft.com/office/mac/drawingml/2011/main" val="1"/>
+              <ma14:placeholderFlag xmlns:ma14="http://schemas.microsoft.com/office/mac/drawingml/2011/main" xmlns="" val="1"/>
             </a:ext>
           </a:extLst>
         </p:spPr>
@@ -950,14 +950,14 @@
           <a:effectLst/>
           <a:extLst>
             <a:ext uri="{909E8E84-426E-40dd-AFC4-6F175D3DCCD1}">
-              <a14:hiddenFill xmlns="" xmlns:a14="http://schemas.microsoft.com/office/drawing/2010/main">
+              <a14:hiddenFill xmlns:a14="http://schemas.microsoft.com/office/drawing/2010/main" xmlns="">
                 <a:solidFill>
                   <a:schemeClr val="accent1"/>
                 </a:solidFill>
               </a14:hiddenFill>
             </a:ext>
             <a:ext uri="{91240B29-F687-4f45-9708-019B960494DF}">
-              <a14:hiddenLine xmlns="" xmlns:a14="http://schemas.microsoft.com/office/drawing/2010/main" w="9525">
+              <a14:hiddenLine xmlns:a14="http://schemas.microsoft.com/office/drawing/2010/main" xmlns="" w="9525">
                 <a:solidFill>
                   <a:schemeClr val="tx1"/>
                 </a:solidFill>
@@ -967,7 +967,7 @@
               </a14:hiddenLine>
             </a:ext>
             <a:ext uri="{AF507438-7753-43e0-B8FC-AC1667EBCBE1}">
-              <a14:hiddenEffects xmlns="" xmlns:a14="http://schemas.microsoft.com/office/drawing/2010/main">
+              <a14:hiddenEffects xmlns:a14="http://schemas.microsoft.com/office/drawing/2010/main" xmlns="">
                 <a:effectLst>
                   <a:outerShdw blurRad="63500" dist="38099" dir="2700000" algn="ctr" rotWithShape="0">
                     <a:schemeClr val="bg2">
@@ -978,7 +978,7 @@
               </a14:hiddenEffects>
             </a:ext>
             <a:ext uri="{FAA26D3D-D897-4be2-8F04-BA451C77F1D7}">
-              <ma14:placeholderFlag xmlns="" xmlns:ma14="http://schemas.microsoft.com/office/mac/drawingml/2011/main" val="1"/>
+              <ma14:placeholderFlag xmlns:ma14="http://schemas.microsoft.com/office/mac/drawingml/2011/main" xmlns="" val="1"/>
             </a:ext>
           </a:extLst>
         </p:spPr>
@@ -1036,14 +1036,14 @@
           <a:effectLst/>
           <a:extLst>
             <a:ext uri="{909E8E84-426E-40dd-AFC4-6F175D3DCCD1}">
-              <a14:hiddenFill xmlns="" xmlns:a14="http://schemas.microsoft.com/office/drawing/2010/main">
+              <a14:hiddenFill xmlns:a14="http://schemas.microsoft.com/office/drawing/2010/main" xmlns="">
                 <a:solidFill>
                   <a:schemeClr val="accent1"/>
                 </a:solidFill>
               </a14:hiddenFill>
             </a:ext>
             <a:ext uri="{91240B29-F687-4f45-9708-019B960494DF}">
-              <a14:hiddenLine xmlns="" xmlns:a14="http://schemas.microsoft.com/office/drawing/2010/main" w="9525">
+              <a14:hiddenLine xmlns:a14="http://schemas.microsoft.com/office/drawing/2010/main" xmlns="" w="9525">
                 <a:solidFill>
                   <a:schemeClr val="tx1"/>
                 </a:solidFill>
@@ -1053,7 +1053,7 @@
               </a14:hiddenLine>
             </a:ext>
             <a:ext uri="{AF507438-7753-43e0-B8FC-AC1667EBCBE1}">
-              <a14:hiddenEffects xmlns="" xmlns:a14="http://schemas.microsoft.com/office/drawing/2010/main">
+              <a14:hiddenEffects xmlns:a14="http://schemas.microsoft.com/office/drawing/2010/main" xmlns="">
                 <a:effectLst>
                   <a:outerShdw blurRad="63500" dist="38099" dir="2700000" algn="ctr" rotWithShape="0">
                     <a:schemeClr val="bg2">
@@ -1064,7 +1064,7 @@
               </a14:hiddenEffects>
             </a:ext>
             <a:ext uri="{FAA26D3D-D897-4be2-8F04-BA451C77F1D7}">
-              <ma14:placeholderFlag xmlns="" xmlns:ma14="http://schemas.microsoft.com/office/mac/drawingml/2011/main" val="1"/>
+              <ma14:placeholderFlag xmlns:ma14="http://schemas.microsoft.com/office/mac/drawingml/2011/main" xmlns="" val="1"/>
             </a:ext>
           </a:extLst>
         </p:spPr>
@@ -1253,14 +1253,14 @@
         <p:spPr>
           <a:extLst>
             <a:ext uri="{909E8E84-426E-40dd-AFC4-6F175D3DCCD1}">
-              <a14:hiddenFill xmlns="" xmlns:a14="http://schemas.microsoft.com/office/drawing/2010/main">
+              <a14:hiddenFill xmlns:a14="http://schemas.microsoft.com/office/drawing/2010/main" xmlns="">
                 <a:solidFill>
                   <a:schemeClr val="accent1"/>
                 </a:solidFill>
               </a14:hiddenFill>
             </a:ext>
             <a:ext uri="{91240B29-F687-4f45-9708-019B960494DF}">
-              <a14:hiddenLine xmlns="" xmlns:a14="http://schemas.microsoft.com/office/drawing/2010/main" w="9525">
+              <a14:hiddenLine xmlns:a14="http://schemas.microsoft.com/office/drawing/2010/main" xmlns="" w="9525">
                 <a:solidFill>
                   <a:schemeClr val="tx1"/>
                 </a:solidFill>
@@ -1270,7 +1270,7 @@
               </a14:hiddenLine>
             </a:ext>
             <a:ext uri="{AF507438-7753-43e0-B8FC-AC1667EBCBE1}">
-              <a14:hiddenEffects xmlns="" xmlns:a14="http://schemas.microsoft.com/office/drawing/2010/main">
+              <a14:hiddenEffects xmlns:a14="http://schemas.microsoft.com/office/drawing/2010/main" xmlns="">
                 <a:effectLst>
                   <a:outerShdw blurRad="63500" dist="38099" dir="2700000" algn="ctr" rotWithShape="0">
                     <a:schemeClr val="bg2">
@@ -1281,7 +1281,7 @@
               </a14:hiddenEffects>
             </a:ext>
             <a:ext uri="{FAA26D3D-D897-4be2-8F04-BA451C77F1D7}">
-              <ma14:placeholderFlag xmlns="" xmlns:ma14="http://schemas.microsoft.com/office/mac/drawingml/2011/main" val="1"/>
+              <ma14:placeholderFlag xmlns:ma14="http://schemas.microsoft.com/office/mac/drawingml/2011/main" xmlns="" val="1"/>
             </a:ext>
           </a:extLst>
         </p:spPr>
@@ -1424,7 +1424,7 @@
           <a:ln/>
           <a:extLst>
             <a:ext uri="{FAA26D3D-D897-4be2-8F04-BA451C77F1D7}">
-              <ma14:placeholderFlag xmlns="" xmlns:ma14="http://schemas.microsoft.com/office/mac/drawingml/2011/main" val="1"/>
+              <ma14:placeholderFlag xmlns:ma14="http://schemas.microsoft.com/office/mac/drawingml/2011/main" xmlns="" val="1"/>
             </a:ext>
           </a:extLst>
         </p:spPr>
@@ -1503,14 +1503,14 @@
         <p:spPr>
           <a:extLst>
             <a:ext uri="{909E8E84-426E-40dd-AFC4-6F175D3DCCD1}">
-              <a14:hiddenFill xmlns="" xmlns:a14="http://schemas.microsoft.com/office/drawing/2010/main">
+              <a14:hiddenFill xmlns:a14="http://schemas.microsoft.com/office/drawing/2010/main" xmlns="">
                 <a:solidFill>
                   <a:schemeClr val="accent1"/>
                 </a:solidFill>
               </a14:hiddenFill>
             </a:ext>
             <a:ext uri="{91240B29-F687-4f45-9708-019B960494DF}">
-              <a14:hiddenLine xmlns="" xmlns:a14="http://schemas.microsoft.com/office/drawing/2010/main" w="9525">
+              <a14:hiddenLine xmlns:a14="http://schemas.microsoft.com/office/drawing/2010/main" xmlns="" w="9525">
                 <a:solidFill>
                   <a:schemeClr val="tx1"/>
                 </a:solidFill>
@@ -1520,7 +1520,7 @@
               </a14:hiddenLine>
             </a:ext>
             <a:ext uri="{AF507438-7753-43e0-B8FC-AC1667EBCBE1}">
-              <a14:hiddenEffects xmlns="" xmlns:a14="http://schemas.microsoft.com/office/drawing/2010/main">
+              <a14:hiddenEffects xmlns:a14="http://schemas.microsoft.com/office/drawing/2010/main" xmlns="">
                 <a:effectLst>
                   <a:outerShdw blurRad="63500" dist="38099" dir="2700000" algn="ctr" rotWithShape="0">
                     <a:schemeClr val="bg2">
@@ -1531,7 +1531,7 @@
               </a14:hiddenEffects>
             </a:ext>
             <a:ext uri="{FAA26D3D-D897-4be2-8F04-BA451C77F1D7}">
-              <ma14:placeholderFlag xmlns="" xmlns:ma14="http://schemas.microsoft.com/office/mac/drawingml/2011/main" val="1"/>
+              <ma14:placeholderFlag xmlns:ma14="http://schemas.microsoft.com/office/mac/drawingml/2011/main" xmlns="" val="1"/>
             </a:ext>
           </a:extLst>
         </p:spPr>
@@ -1674,7 +1674,7 @@
           <a:ln/>
           <a:extLst>
             <a:ext uri="{FAA26D3D-D897-4be2-8F04-BA451C77F1D7}">
-              <ma14:placeholderFlag xmlns="" xmlns:ma14="http://schemas.microsoft.com/office/mac/drawingml/2011/main" val="1"/>
+              <ma14:placeholderFlag xmlns:ma14="http://schemas.microsoft.com/office/mac/drawingml/2011/main" xmlns="" val="1"/>
             </a:ext>
           </a:extLst>
         </p:spPr>
@@ -1758,14 +1758,14 @@
         <p:spPr>
           <a:extLst>
             <a:ext uri="{909E8E84-426E-40dd-AFC4-6F175D3DCCD1}">
-              <a14:hiddenFill xmlns:a14="http://schemas.microsoft.com/office/drawing/2010/main" xmlns="">
+              <a14:hiddenFill xmlns="" xmlns:a14="http://schemas.microsoft.com/office/drawing/2010/main">
                 <a:solidFill>
                   <a:schemeClr val="accent1"/>
                 </a:solidFill>
               </a14:hiddenFill>
             </a:ext>
             <a:ext uri="{91240B29-F687-4f45-9708-019B960494DF}">
-              <a14:hiddenLine xmlns:a14="http://schemas.microsoft.com/office/drawing/2010/main" xmlns="" w="9525">
+              <a14:hiddenLine xmlns="" xmlns:a14="http://schemas.microsoft.com/office/drawing/2010/main" w="9525">
                 <a:solidFill>
                   <a:schemeClr val="tx1"/>
                 </a:solidFill>
@@ -1775,7 +1775,7 @@
               </a14:hiddenLine>
             </a:ext>
             <a:ext uri="{AF507438-7753-43e0-B8FC-AC1667EBCBE1}">
-              <a14:hiddenEffects xmlns:a14="http://schemas.microsoft.com/office/drawing/2010/main" xmlns="">
+              <a14:hiddenEffects xmlns="" xmlns:a14="http://schemas.microsoft.com/office/drawing/2010/main">
                 <a:effectLst>
                   <a:outerShdw blurRad="63500" dist="38099" dir="2700000" algn="ctr" rotWithShape="0">
                     <a:schemeClr val="bg2">
@@ -1786,7 +1786,7 @@
               </a14:hiddenEffects>
             </a:ext>
             <a:ext uri="{FAA26D3D-D897-4be2-8F04-BA451C77F1D7}">
-              <ma14:placeholderFlag xmlns:ma14="http://schemas.microsoft.com/office/mac/drawingml/2011/main" xmlns="" val="1"/>
+              <ma14:placeholderFlag xmlns="" xmlns:ma14="http://schemas.microsoft.com/office/mac/drawingml/2011/main" val="1"/>
             </a:ext>
           </a:extLst>
         </p:spPr>
@@ -1929,7 +1929,7 @@
           <a:ln/>
           <a:extLst>
             <a:ext uri="{FAA26D3D-D897-4be2-8F04-BA451C77F1D7}">
-              <ma14:placeholderFlag xmlns:ma14="http://schemas.microsoft.com/office/mac/drawingml/2011/main" xmlns="" val="1"/>
+              <ma14:placeholderFlag xmlns="" xmlns:ma14="http://schemas.microsoft.com/office/mac/drawingml/2011/main" val="1"/>
             </a:ext>
           </a:extLst>
         </p:spPr>
@@ -2028,12 +2028,12 @@
           <a:effectLst/>
           <a:extLst>
             <a:ext uri="{909E8E84-426E-40dd-AFC4-6F175D3DCCD1}">
-              <a14:hiddenFill xmlns="" xmlns:a14="http://schemas.microsoft.com/office/drawing/2010/main">
+              <a14:hiddenFill xmlns:a14="http://schemas.microsoft.com/office/drawing/2010/main" xmlns="">
                 <a:noFill/>
               </a14:hiddenFill>
             </a:ext>
             <a:ext uri="{AF507438-7753-43e0-B8FC-AC1667EBCBE1}">
-              <a14:hiddenEffects xmlns="" xmlns:a14="http://schemas.microsoft.com/office/drawing/2010/main">
+              <a14:hiddenEffects xmlns:a14="http://schemas.microsoft.com/office/drawing/2010/main" xmlns="">
                 <a:effectLst>
                   <a:outerShdw blurRad="63500" dist="38099" dir="2700000" algn="ctr" rotWithShape="0">
                     <a:schemeClr val="bg2">
@@ -2148,14 +2148,14 @@
           </a:xfrm>
           <a:extLst>
             <a:ext uri="{909E8E84-426E-40dd-AFC4-6F175D3DCCD1}">
-              <a14:hiddenFill xmlns="" xmlns:a14="http://schemas.microsoft.com/office/drawing/2010/main">
+              <a14:hiddenFill xmlns:a14="http://schemas.microsoft.com/office/drawing/2010/main" xmlns="">
                 <a:solidFill>
                   <a:schemeClr val="accent1"/>
                 </a:solidFill>
               </a14:hiddenFill>
             </a:ext>
             <a:ext uri="{91240B29-F687-4f45-9708-019B960494DF}">
-              <a14:hiddenLine xmlns="" xmlns:a14="http://schemas.microsoft.com/office/drawing/2010/main" w="9525">
+              <a14:hiddenLine xmlns:a14="http://schemas.microsoft.com/office/drawing/2010/main" xmlns="" w="9525">
                 <a:solidFill>
                   <a:schemeClr val="tx1"/>
                 </a:solidFill>
@@ -2165,7 +2165,7 @@
               </a14:hiddenLine>
             </a:ext>
             <a:ext uri="{AF507438-7753-43e0-B8FC-AC1667EBCBE1}">
-              <a14:hiddenEffects xmlns="" xmlns:a14="http://schemas.microsoft.com/office/drawing/2010/main">
+              <a14:hiddenEffects xmlns:a14="http://schemas.microsoft.com/office/drawing/2010/main" xmlns="">
                 <a:effectLst>
                   <a:outerShdw blurRad="63500" dist="38099" dir="2700000" algn="ctr" rotWithShape="0">
                     <a:schemeClr val="bg2">
@@ -2176,7 +2176,7 @@
               </a14:hiddenEffects>
             </a:ext>
             <a:ext uri="{FAA26D3D-D897-4be2-8F04-BA451C77F1D7}">
-              <ma14:placeholderFlag xmlns="" xmlns:ma14="http://schemas.microsoft.com/office/mac/drawingml/2011/main" val="1"/>
+              <ma14:placeholderFlag xmlns:ma14="http://schemas.microsoft.com/office/mac/drawingml/2011/main" xmlns="" val="1"/>
             </a:ext>
           </a:extLst>
         </p:spPr>
@@ -2218,14 +2218,14 @@
           </a:xfrm>
           <a:extLst>
             <a:ext uri="{909E8E84-426E-40dd-AFC4-6F175D3DCCD1}">
-              <a14:hiddenFill xmlns="" xmlns:a14="http://schemas.microsoft.com/office/drawing/2010/main">
+              <a14:hiddenFill xmlns:a14="http://schemas.microsoft.com/office/drawing/2010/main" xmlns="">
                 <a:solidFill>
                   <a:schemeClr val="accent1"/>
                 </a:solidFill>
               </a14:hiddenFill>
             </a:ext>
             <a:ext uri="{91240B29-F687-4f45-9708-019B960494DF}">
-              <a14:hiddenLine xmlns="" xmlns:a14="http://schemas.microsoft.com/office/drawing/2010/main" w="9525">
+              <a14:hiddenLine xmlns:a14="http://schemas.microsoft.com/office/drawing/2010/main" xmlns="" w="9525">
                 <a:solidFill>
                   <a:schemeClr val="tx1"/>
                 </a:solidFill>
@@ -2235,7 +2235,7 @@
               </a14:hiddenLine>
             </a:ext>
             <a:ext uri="{AF507438-7753-43e0-B8FC-AC1667EBCBE1}">
-              <a14:hiddenEffects xmlns="" xmlns:a14="http://schemas.microsoft.com/office/drawing/2010/main">
+              <a14:hiddenEffects xmlns:a14="http://schemas.microsoft.com/office/drawing/2010/main" xmlns="">
                 <a:effectLst>
                   <a:outerShdw blurRad="63500" dist="38099" dir="2700000" algn="ctr" rotWithShape="0">
                     <a:schemeClr val="bg2">
@@ -2246,7 +2246,7 @@
               </a14:hiddenEffects>
             </a:ext>
             <a:ext uri="{FAA26D3D-D897-4be2-8F04-BA451C77F1D7}">
-              <ma14:placeholderFlag xmlns="" xmlns:ma14="http://schemas.microsoft.com/office/mac/drawingml/2011/main" val="1"/>
+              <ma14:placeholderFlag xmlns:ma14="http://schemas.microsoft.com/office/mac/drawingml/2011/main" xmlns="" val="1"/>
             </a:ext>
           </a:extLst>
         </p:spPr>
@@ -2288,14 +2288,14 @@
           </a:xfrm>
           <a:extLst>
             <a:ext uri="{909E8E84-426E-40dd-AFC4-6F175D3DCCD1}">
-              <a14:hiddenFill xmlns="" xmlns:a14="http://schemas.microsoft.com/office/drawing/2010/main">
+              <a14:hiddenFill xmlns:a14="http://schemas.microsoft.com/office/drawing/2010/main" xmlns="">
                 <a:solidFill>
                   <a:schemeClr val="accent1"/>
                 </a:solidFill>
               </a14:hiddenFill>
             </a:ext>
             <a:ext uri="{91240B29-F687-4f45-9708-019B960494DF}">
-              <a14:hiddenLine xmlns="" xmlns:a14="http://schemas.microsoft.com/office/drawing/2010/main" w="9525">
+              <a14:hiddenLine xmlns:a14="http://schemas.microsoft.com/office/drawing/2010/main" xmlns="" w="9525">
                 <a:solidFill>
                   <a:schemeClr val="tx1"/>
                 </a:solidFill>
@@ -2305,7 +2305,7 @@
               </a14:hiddenLine>
             </a:ext>
             <a:ext uri="{AF507438-7753-43e0-B8FC-AC1667EBCBE1}">
-              <a14:hiddenEffects xmlns="" xmlns:a14="http://schemas.microsoft.com/office/drawing/2010/main">
+              <a14:hiddenEffects xmlns:a14="http://schemas.microsoft.com/office/drawing/2010/main" xmlns="">
                 <a:effectLst>
                   <a:outerShdw blurRad="63500" dist="38099" dir="2700000" algn="ctr" rotWithShape="0">
                     <a:schemeClr val="bg2">
@@ -2316,7 +2316,7 @@
               </a14:hiddenEffects>
             </a:ext>
             <a:ext uri="{FAA26D3D-D897-4be2-8F04-BA451C77F1D7}">
-              <ma14:placeholderFlag xmlns="" xmlns:ma14="http://schemas.microsoft.com/office/mac/drawingml/2011/main" val="1"/>
+              <ma14:placeholderFlag xmlns:ma14="http://schemas.microsoft.com/office/mac/drawingml/2011/main" xmlns="" val="1"/>
             </a:ext>
           </a:extLst>
         </p:spPr>
@@ -4983,14 +4983,14 @@
           <a:effectLst/>
           <a:extLst>
             <a:ext uri="{909E8E84-426E-40dd-AFC4-6F175D3DCCD1}">
-              <a14:hiddenFill xmlns="" xmlns:a14="http://schemas.microsoft.com/office/drawing/2010/main">
+              <a14:hiddenFill xmlns:a14="http://schemas.microsoft.com/office/drawing/2010/main" xmlns="">
                 <a:solidFill>
                   <a:schemeClr val="accent1"/>
                 </a:solidFill>
               </a14:hiddenFill>
             </a:ext>
             <a:ext uri="{91240B29-F687-4f45-9708-019B960494DF}">
-              <a14:hiddenLine xmlns="" xmlns:a14="http://schemas.microsoft.com/office/drawing/2010/main" w="9525">
+              <a14:hiddenLine xmlns:a14="http://schemas.microsoft.com/office/drawing/2010/main" xmlns="" w="9525">
                 <a:solidFill>
                   <a:schemeClr val="tx1"/>
                 </a:solidFill>
@@ -5000,7 +5000,7 @@
               </a14:hiddenLine>
             </a:ext>
             <a:ext uri="{AF507438-7753-43e0-B8FC-AC1667EBCBE1}">
-              <a14:hiddenEffects xmlns="" xmlns:a14="http://schemas.microsoft.com/office/drawing/2010/main">
+              <a14:hiddenEffects xmlns:a14="http://schemas.microsoft.com/office/drawing/2010/main" xmlns="">
                 <a:effectLst>
                   <a:outerShdw blurRad="63500" dist="38099" dir="2700000" algn="ctr" rotWithShape="0">
                     <a:schemeClr val="bg2">
@@ -5011,7 +5011,7 @@
               </a14:hiddenEffects>
             </a:ext>
             <a:ext uri="{FAA26D3D-D897-4be2-8F04-BA451C77F1D7}">
-              <ma14:placeholderFlag xmlns="" xmlns:ma14="http://schemas.microsoft.com/office/mac/drawingml/2011/main" val="1"/>
+              <ma14:placeholderFlag xmlns:ma14="http://schemas.microsoft.com/office/mac/drawingml/2011/main" xmlns="" val="1"/>
             </a:ext>
           </a:extLst>
         </p:spPr>
@@ -5062,14 +5062,14 @@
           <a:effectLst/>
           <a:extLst>
             <a:ext uri="{909E8E84-426E-40dd-AFC4-6F175D3DCCD1}">
-              <a14:hiddenFill xmlns="" xmlns:a14="http://schemas.microsoft.com/office/drawing/2010/main">
+              <a14:hiddenFill xmlns:a14="http://schemas.microsoft.com/office/drawing/2010/main" xmlns="">
                 <a:solidFill>
                   <a:schemeClr val="accent1"/>
                 </a:solidFill>
               </a14:hiddenFill>
             </a:ext>
             <a:ext uri="{91240B29-F687-4f45-9708-019B960494DF}">
-              <a14:hiddenLine xmlns="" xmlns:a14="http://schemas.microsoft.com/office/drawing/2010/main" w="9525">
+              <a14:hiddenLine xmlns:a14="http://schemas.microsoft.com/office/drawing/2010/main" xmlns="" w="9525">
                 <a:solidFill>
                   <a:schemeClr val="tx1"/>
                 </a:solidFill>
@@ -5079,7 +5079,7 @@
               </a14:hiddenLine>
             </a:ext>
             <a:ext uri="{AF507438-7753-43e0-B8FC-AC1667EBCBE1}">
-              <a14:hiddenEffects xmlns="" xmlns:a14="http://schemas.microsoft.com/office/drawing/2010/main">
+              <a14:hiddenEffects xmlns:a14="http://schemas.microsoft.com/office/drawing/2010/main" xmlns="">
                 <a:effectLst>
                   <a:outerShdw blurRad="63500" dist="38099" dir="2700000" algn="ctr" rotWithShape="0">
                     <a:schemeClr val="bg2">
@@ -5090,7 +5090,7 @@
               </a14:hiddenEffects>
             </a:ext>
             <a:ext uri="{FAA26D3D-D897-4be2-8F04-BA451C77F1D7}">
-              <ma14:placeholderFlag xmlns="" xmlns:ma14="http://schemas.microsoft.com/office/mac/drawingml/2011/main" val="1"/>
+              <ma14:placeholderFlag xmlns:ma14="http://schemas.microsoft.com/office/mac/drawingml/2011/main" xmlns="" val="1"/>
             </a:ext>
           </a:extLst>
         </p:spPr>
@@ -5169,14 +5169,14 @@
           <a:effectLst/>
           <a:extLst>
             <a:ext uri="{909E8E84-426E-40dd-AFC4-6F175D3DCCD1}">
-              <a14:hiddenFill xmlns="" xmlns:a14="http://schemas.microsoft.com/office/drawing/2010/main">
+              <a14:hiddenFill xmlns:a14="http://schemas.microsoft.com/office/drawing/2010/main" xmlns="">
                 <a:solidFill>
                   <a:schemeClr val="accent1"/>
                 </a:solidFill>
               </a14:hiddenFill>
             </a:ext>
             <a:ext uri="{91240B29-F687-4f45-9708-019B960494DF}">
-              <a14:hiddenLine xmlns="" xmlns:a14="http://schemas.microsoft.com/office/drawing/2010/main" w="9525">
+              <a14:hiddenLine xmlns:a14="http://schemas.microsoft.com/office/drawing/2010/main" xmlns="" w="9525">
                 <a:solidFill>
                   <a:schemeClr val="tx1"/>
                 </a:solidFill>
@@ -5186,7 +5186,7 @@
               </a14:hiddenLine>
             </a:ext>
             <a:ext uri="{AF507438-7753-43e0-B8FC-AC1667EBCBE1}">
-              <a14:hiddenEffects xmlns="" xmlns:a14="http://schemas.microsoft.com/office/drawing/2010/main">
+              <a14:hiddenEffects xmlns:a14="http://schemas.microsoft.com/office/drawing/2010/main" xmlns="">
                 <a:effectLst>
                   <a:outerShdw blurRad="63500" dist="38099" dir="2700000" algn="ctr" rotWithShape="0">
                     <a:schemeClr val="bg2">
@@ -5197,7 +5197,7 @@
               </a14:hiddenEffects>
             </a:ext>
             <a:ext uri="{FAA26D3D-D897-4be2-8F04-BA451C77F1D7}">
-              <ma14:placeholderFlag xmlns="" xmlns:ma14="http://schemas.microsoft.com/office/mac/drawingml/2011/main" val="1"/>
+              <ma14:placeholderFlag xmlns:ma14="http://schemas.microsoft.com/office/mac/drawingml/2011/main" xmlns="" val="1"/>
             </a:ext>
           </a:extLst>
         </p:spPr>
@@ -5255,14 +5255,14 @@
           <a:effectLst/>
           <a:extLst>
             <a:ext uri="{909E8E84-426E-40dd-AFC4-6F175D3DCCD1}">
-              <a14:hiddenFill xmlns="" xmlns:a14="http://schemas.microsoft.com/office/drawing/2010/main">
+              <a14:hiddenFill xmlns:a14="http://schemas.microsoft.com/office/drawing/2010/main" xmlns="">
                 <a:solidFill>
                   <a:schemeClr val="accent1"/>
                 </a:solidFill>
               </a14:hiddenFill>
             </a:ext>
             <a:ext uri="{91240B29-F687-4f45-9708-019B960494DF}">
-              <a14:hiddenLine xmlns="" xmlns:a14="http://schemas.microsoft.com/office/drawing/2010/main" w="9525">
+              <a14:hiddenLine xmlns:a14="http://schemas.microsoft.com/office/drawing/2010/main" xmlns="" w="9525">
                 <a:solidFill>
                   <a:schemeClr val="tx1"/>
                 </a:solidFill>
@@ -5272,7 +5272,7 @@
               </a14:hiddenLine>
             </a:ext>
             <a:ext uri="{AF507438-7753-43e0-B8FC-AC1667EBCBE1}">
-              <a14:hiddenEffects xmlns="" xmlns:a14="http://schemas.microsoft.com/office/drawing/2010/main">
+              <a14:hiddenEffects xmlns:a14="http://schemas.microsoft.com/office/drawing/2010/main" xmlns="">
                 <a:effectLst>
                   <a:outerShdw blurRad="63500" dist="38099" dir="2700000" algn="ctr" rotWithShape="0">
                     <a:schemeClr val="bg2">
@@ -5283,7 +5283,7 @@
               </a14:hiddenEffects>
             </a:ext>
             <a:ext uri="{FAA26D3D-D897-4be2-8F04-BA451C77F1D7}">
-              <ma14:placeholderFlag xmlns="" xmlns:ma14="http://schemas.microsoft.com/office/mac/drawingml/2011/main" val="1"/>
+              <ma14:placeholderFlag xmlns:ma14="http://schemas.microsoft.com/office/mac/drawingml/2011/main" xmlns="" val="1"/>
             </a:ext>
           </a:extLst>
         </p:spPr>
@@ -5341,14 +5341,14 @@
           <a:effectLst/>
           <a:extLst>
             <a:ext uri="{909E8E84-426E-40dd-AFC4-6F175D3DCCD1}">
-              <a14:hiddenFill xmlns="" xmlns:a14="http://schemas.microsoft.com/office/drawing/2010/main">
+              <a14:hiddenFill xmlns:a14="http://schemas.microsoft.com/office/drawing/2010/main" xmlns="">
                 <a:solidFill>
                   <a:schemeClr val="accent1"/>
                 </a:solidFill>
               </a14:hiddenFill>
             </a:ext>
             <a:ext uri="{91240B29-F687-4f45-9708-019B960494DF}">
-              <a14:hiddenLine xmlns="" xmlns:a14="http://schemas.microsoft.com/office/drawing/2010/main" w="9525">
+              <a14:hiddenLine xmlns:a14="http://schemas.microsoft.com/office/drawing/2010/main" xmlns="" w="9525">
                 <a:solidFill>
                   <a:schemeClr val="tx1"/>
                 </a:solidFill>
@@ -5358,7 +5358,7 @@
               </a14:hiddenLine>
             </a:ext>
             <a:ext uri="{AF507438-7753-43e0-B8FC-AC1667EBCBE1}">
-              <a14:hiddenEffects xmlns="" xmlns:a14="http://schemas.microsoft.com/office/drawing/2010/main">
+              <a14:hiddenEffects xmlns:a14="http://schemas.microsoft.com/office/drawing/2010/main" xmlns="">
                 <a:effectLst>
                   <a:outerShdw blurRad="63500" dist="38099" dir="2700000" algn="ctr" rotWithShape="0">
                     <a:schemeClr val="bg2">
@@ -5369,7 +5369,7 @@
               </a14:hiddenEffects>
             </a:ext>
             <a:ext uri="{FAA26D3D-D897-4be2-8F04-BA451C77F1D7}">
-              <ma14:placeholderFlag xmlns="" xmlns:ma14="http://schemas.microsoft.com/office/mac/drawingml/2011/main" val="1"/>
+              <ma14:placeholderFlag xmlns:ma14="http://schemas.microsoft.com/office/mac/drawingml/2011/main" xmlns="" val="1"/>
             </a:ext>
           </a:extLst>
         </p:spPr>
@@ -5428,12 +5428,12 @@
           <a:effectLst/>
           <a:extLst>
             <a:ext uri="{909E8E84-426E-40dd-AFC4-6F175D3DCCD1}">
-              <a14:hiddenFill xmlns="" xmlns:a14="http://schemas.microsoft.com/office/drawing/2010/main">
+              <a14:hiddenFill xmlns:a14="http://schemas.microsoft.com/office/drawing/2010/main" xmlns="">
                 <a:noFill/>
               </a14:hiddenFill>
             </a:ext>
             <a:ext uri="{AF507438-7753-43e0-B8FC-AC1667EBCBE1}">
-              <a14:hiddenEffects xmlns="" xmlns:a14="http://schemas.microsoft.com/office/drawing/2010/main">
+              <a14:hiddenEffects xmlns:a14="http://schemas.microsoft.com/office/drawing/2010/main" xmlns="">
                 <a:effectLst>
                   <a:outerShdw blurRad="63500" dist="38099" dir="2700000" algn="ctr" rotWithShape="0">
                     <a:schemeClr val="bg2">
@@ -5946,14 +5946,14 @@
         <p:spPr>
           <a:extLst>
             <a:ext uri="{909E8E84-426E-40dd-AFC4-6F175D3DCCD1}">
-              <a14:hiddenFill xmlns="" xmlns:a14="http://schemas.microsoft.com/office/drawing/2010/main">
+              <a14:hiddenFill xmlns:a14="http://schemas.microsoft.com/office/drawing/2010/main" xmlns="">
                 <a:solidFill>
                   <a:schemeClr val="accent1"/>
                 </a:solidFill>
               </a14:hiddenFill>
             </a:ext>
             <a:ext uri="{91240B29-F687-4f45-9708-019B960494DF}">
-              <a14:hiddenLine xmlns="" xmlns:a14="http://schemas.microsoft.com/office/drawing/2010/main" w="9525">
+              <a14:hiddenLine xmlns:a14="http://schemas.microsoft.com/office/drawing/2010/main" xmlns="" w="9525">
                 <a:solidFill>
                   <a:schemeClr val="tx1"/>
                 </a:solidFill>
@@ -5963,7 +5963,7 @@
               </a14:hiddenLine>
             </a:ext>
             <a:ext uri="{AF507438-7753-43e0-B8FC-AC1667EBCBE1}">
-              <a14:hiddenEffects xmlns="" xmlns:a14="http://schemas.microsoft.com/office/drawing/2010/main">
+              <a14:hiddenEffects xmlns:a14="http://schemas.microsoft.com/office/drawing/2010/main" xmlns="">
                 <a:effectLst>
                   <a:outerShdw blurRad="63500" dist="38099" dir="2700000" algn="ctr" rotWithShape="0">
                     <a:schemeClr val="bg2">
@@ -5974,7 +5974,7 @@
               </a14:hiddenEffects>
             </a:ext>
             <a:ext uri="{FAA26D3D-D897-4be2-8F04-BA451C77F1D7}">
-              <ma14:placeholderFlag xmlns="" xmlns:ma14="http://schemas.microsoft.com/office/mac/drawingml/2011/main" val="1"/>
+              <ma14:placeholderFlag xmlns:ma14="http://schemas.microsoft.com/office/mac/drawingml/2011/main" xmlns="" val="1"/>
             </a:ext>
           </a:extLst>
         </p:spPr>
@@ -6013,14 +6013,14 @@
         <p:spPr>
           <a:extLst>
             <a:ext uri="{909E8E84-426E-40dd-AFC4-6F175D3DCCD1}">
-              <a14:hiddenFill xmlns="" xmlns:a14="http://schemas.microsoft.com/office/drawing/2010/main">
+              <a14:hiddenFill xmlns:a14="http://schemas.microsoft.com/office/drawing/2010/main" xmlns="">
                 <a:solidFill>
                   <a:schemeClr val="accent1"/>
                 </a:solidFill>
               </a14:hiddenFill>
             </a:ext>
             <a:ext uri="{91240B29-F687-4f45-9708-019B960494DF}">
-              <a14:hiddenLine xmlns="" xmlns:a14="http://schemas.microsoft.com/office/drawing/2010/main" w="9525">
+              <a14:hiddenLine xmlns:a14="http://schemas.microsoft.com/office/drawing/2010/main" xmlns="" w="9525">
                 <a:solidFill>
                   <a:schemeClr val="tx1"/>
                 </a:solidFill>
@@ -6030,7 +6030,7 @@
               </a14:hiddenLine>
             </a:ext>
             <a:ext uri="{AF507438-7753-43e0-B8FC-AC1667EBCBE1}">
-              <a14:hiddenEffects xmlns="" xmlns:a14="http://schemas.microsoft.com/office/drawing/2010/main">
+              <a14:hiddenEffects xmlns:a14="http://schemas.microsoft.com/office/drawing/2010/main" xmlns="">
                 <a:effectLst>
                   <a:outerShdw blurRad="63500" dist="38099" dir="2700000" algn="ctr" rotWithShape="0">
                     <a:schemeClr val="bg2">
@@ -6041,7 +6041,7 @@
               </a14:hiddenEffects>
             </a:ext>
             <a:ext uri="{FAA26D3D-D897-4be2-8F04-BA451C77F1D7}">
-              <ma14:placeholderFlag xmlns="" xmlns:ma14="http://schemas.microsoft.com/office/mac/drawingml/2011/main" val="1"/>
+              <ma14:placeholderFlag xmlns:ma14="http://schemas.microsoft.com/office/mac/drawingml/2011/main" xmlns="" val="1"/>
             </a:ext>
           </a:extLst>
         </p:spPr>
@@ -6656,8 +6656,8 @@
             <a:chExt cx="3263900" cy="1848429"/>
           </a:xfrm>
         </p:grpSpPr>
-        <mc:AlternateContent xmlns:mc="http://schemas.openxmlformats.org/markup-compatibility/2006">
-          <mc:Choice xmlns:a14="http://schemas.microsoft.com/office/drawing/2010/main" Requires="a14">
+        <mc:AlternateContent xmlns:mc="http://schemas.openxmlformats.org/markup-compatibility/2006" xmlns:a14="http://schemas.microsoft.com/office/drawing/2010/main">
+          <mc:Choice Requires="a14">
             <p:sp>
               <p:nvSpPr>
                 <p:cNvPr id="5" name="TextBox 4">
@@ -6767,7 +6767,7 @@
               </p:txBody>
             </p:sp>
           </mc:Choice>
-          <mc:Fallback>
+          <mc:Fallback xmlns="">
             <p:sp>
               <p:nvSpPr>
                 <p:cNvPr id="5" name="TextBox 4">
@@ -6868,8 +6868,8 @@
             <a:chExt cx="5486400" cy="1090854"/>
           </a:xfrm>
         </p:grpSpPr>
-        <mc:AlternateContent xmlns:mc="http://schemas.openxmlformats.org/markup-compatibility/2006">
-          <mc:Choice xmlns:a14="http://schemas.microsoft.com/office/drawing/2010/main" Requires="a14">
+        <mc:AlternateContent xmlns:mc="http://schemas.openxmlformats.org/markup-compatibility/2006" xmlns:a14="http://schemas.microsoft.com/office/drawing/2010/main">
+          <mc:Choice Requires="a14">
             <p:sp>
               <p:nvSpPr>
                 <p:cNvPr id="7" name="TextBox 6">
@@ -7019,7 +7019,7 @@
               </p:txBody>
             </p:sp>
           </mc:Choice>
-          <mc:Fallback>
+          <mc:Fallback xmlns="">
             <p:sp>
               <p:nvSpPr>
                 <p:cNvPr id="7" name="TextBox 6">
@@ -7120,8 +7120,8 @@
             <a:chExt cx="5575300" cy="1165840"/>
           </a:xfrm>
         </p:grpSpPr>
-        <mc:AlternateContent xmlns:mc="http://schemas.openxmlformats.org/markup-compatibility/2006">
-          <mc:Choice xmlns:a14="http://schemas.microsoft.com/office/drawing/2010/main" Requires="a14">
+        <mc:AlternateContent xmlns:mc="http://schemas.openxmlformats.org/markup-compatibility/2006" xmlns:a14="http://schemas.microsoft.com/office/drawing/2010/main">
+          <mc:Choice Requires="a14">
             <p:sp>
               <p:nvSpPr>
                 <p:cNvPr id="9" name="TextBox 8">
@@ -7267,14 +7267,7 @@
                             <a:latin typeface="Cambria Math" panose="02040503050406030204" pitchFamily="18" charset="0"/>
                             <a:ea typeface="Cambria Math" panose="02040503050406030204" pitchFamily="18" charset="0"/>
                           </a:rPr>
-                          <m:t>⇒</m:t>
-                        </m:r>
-                        <m:r>
-                          <a:rPr lang="en-US" sz="1600" b="0" i="1" smtClean="0">
-                            <a:latin typeface="Cambria Math" panose="02040503050406030204" pitchFamily="18" charset="0"/>
-                            <a:ea typeface="Cambria Math" panose="02040503050406030204" pitchFamily="18" charset="0"/>
-                          </a:rPr>
-                          <m:t>2</m:t>
+                          <m:t>⇒2</m:t>
                         </m:r>
                       </m:oMath>
                     </m:oMathPara>
@@ -7284,7 +7277,7 @@
               </p:txBody>
             </p:sp>
           </mc:Choice>
-          <mc:Fallback>
+          <mc:Fallback xmlns="">
             <p:sp>
               <p:nvSpPr>
                 <p:cNvPr id="9" name="TextBox 8">
@@ -7452,13 +7445,8 @@
           <a:p>
             <a:r>
               <a:rPr lang="en-US" dirty="0"/>
-              <a:t>The most noticeable issue of course is that data structures like lists are accessed in a sequential manner with the head-tail pattern </a:t>
-            </a:r>
-            <a:r>
-              <a:rPr lang="en-US"/>
-              <a:t>using recursion.</a:t>
-            </a:r>
-            <a:endParaRPr lang="en-US" dirty="0"/>
+              <a:t>The most noticeable issue of course is that data structures like lists are accessed in a sequential manner with the head-tail pattern using recursion.</a:t>
+            </a:r>
           </a:p>
         </p:txBody>
       </p:sp>
@@ -7560,10 +7548,10 @@
       </p:sp>
       <p:pic>
         <p:nvPicPr>
-          <p:cNvPr id="5" name="Picture 4">
-            <a:extLst>
-              <a:ext uri="{FF2B5EF4-FFF2-40B4-BE49-F238E27FC236}">
-                <a16:creationId xmlns:a16="http://schemas.microsoft.com/office/drawing/2014/main" id="{10839EA3-8EFF-0244-B614-71CB0EA5DF69}"/>
+          <p:cNvPr id="7" name="Picture 6">
+            <a:extLst>
+              <a:ext uri="{FF2B5EF4-FFF2-40B4-BE49-F238E27FC236}">
+                <a16:creationId xmlns:a16="http://schemas.microsoft.com/office/drawing/2014/main" id="{7538E9DF-8112-164F-8D40-22BB04129E5D}"/>
               </a:ext>
             </a:extLst>
           </p:cNvPr>
@@ -7580,8 +7568,8 @@
         </p:blipFill>
         <p:spPr>
           <a:xfrm>
-            <a:off x="838200" y="2819400"/>
-            <a:ext cx="4813300" cy="1447800"/>
+            <a:off x="603738" y="2578100"/>
+            <a:ext cx="5295900" cy="1701800"/>
           </a:xfrm>
           <a:prstGeom prst="rect">
             <a:avLst/>
@@ -7595,10 +7583,10 @@
       </p:pic>
       <p:pic>
         <p:nvPicPr>
-          <p:cNvPr id="6" name="Picture 5">
-            <a:extLst>
-              <a:ext uri="{FF2B5EF4-FFF2-40B4-BE49-F238E27FC236}">
-                <a16:creationId xmlns:a16="http://schemas.microsoft.com/office/drawing/2014/main" id="{1DAD4F05-B08D-E24F-A79F-6580429B83C3}"/>
+          <p:cNvPr id="8" name="Picture 7">
+            <a:extLst>
+              <a:ext uri="{FF2B5EF4-FFF2-40B4-BE49-F238E27FC236}">
+                <a16:creationId xmlns:a16="http://schemas.microsoft.com/office/drawing/2014/main" id="{077BF74D-FE76-584B-BA97-C9E82D919869}"/>
               </a:ext>
             </a:extLst>
           </p:cNvPr>
@@ -7615,8 +7603,8 @@
         </p:blipFill>
         <p:spPr>
           <a:xfrm>
-            <a:off x="2743200" y="4724400"/>
-            <a:ext cx="5308600" cy="1447800"/>
+            <a:off x="1905000" y="4572000"/>
+            <a:ext cx="5943600" cy="1701800"/>
           </a:xfrm>
           <a:prstGeom prst="rect">
             <a:avLst/>
@@ -7895,10 +7883,10 @@
       </p:sp>
       <p:pic>
         <p:nvPicPr>
-          <p:cNvPr id="4" name="Picture 3">
-            <a:extLst>
-              <a:ext uri="{FF2B5EF4-FFF2-40B4-BE49-F238E27FC236}">
-                <a16:creationId xmlns:a16="http://schemas.microsoft.com/office/drawing/2014/main" id="{D86ABCC0-BE92-104D-91D0-0D56A0DE6BFF}"/>
+          <p:cNvPr id="5" name="Picture 4">
+            <a:extLst>
+              <a:ext uri="{FF2B5EF4-FFF2-40B4-BE49-F238E27FC236}">
+                <a16:creationId xmlns:a16="http://schemas.microsoft.com/office/drawing/2014/main" id="{FBC3CA8E-8D7C-CF41-8FC3-3754016643EF}"/>
               </a:ext>
             </a:extLst>
           </p:cNvPr>
@@ -7915,8 +7903,8 @@
         </p:blipFill>
         <p:spPr>
           <a:xfrm>
-            <a:off x="1524000" y="1524000"/>
-            <a:ext cx="4114800" cy="1237697"/>
+            <a:off x="1676400" y="1705952"/>
+            <a:ext cx="4191000" cy="1346748"/>
           </a:xfrm>
           <a:prstGeom prst="rect">
             <a:avLst/>
@@ -8199,14 +8187,14 @@
         <p:spPr>
           <a:extLst>
             <a:ext uri="{909E8E84-426E-40dd-AFC4-6F175D3DCCD1}">
-              <a14:hiddenFill xmlns="" xmlns:a14="http://schemas.microsoft.com/office/drawing/2010/main">
+              <a14:hiddenFill xmlns:a14="http://schemas.microsoft.com/office/drawing/2010/main" xmlns="">
                 <a:solidFill>
                   <a:schemeClr val="accent1"/>
                 </a:solidFill>
               </a14:hiddenFill>
             </a:ext>
             <a:ext uri="{91240B29-F687-4f45-9708-019B960494DF}">
-              <a14:hiddenLine xmlns="" xmlns:a14="http://schemas.microsoft.com/office/drawing/2010/main" w="9525">
+              <a14:hiddenLine xmlns:a14="http://schemas.microsoft.com/office/drawing/2010/main" xmlns="" w="9525">
                 <a:solidFill>
                   <a:schemeClr val="tx1"/>
                 </a:solidFill>
@@ -8216,7 +8204,7 @@
               </a14:hiddenLine>
             </a:ext>
             <a:ext uri="{AF507438-7753-43e0-B8FC-AC1667EBCBE1}">
-              <a14:hiddenEffects xmlns="" xmlns:a14="http://schemas.microsoft.com/office/drawing/2010/main">
+              <a14:hiddenEffects xmlns:a14="http://schemas.microsoft.com/office/drawing/2010/main" xmlns="">
                 <a:effectLst>
                   <a:outerShdw blurRad="63500" dist="38099" dir="2700000" algn="ctr" rotWithShape="0">
                     <a:schemeClr val="bg2">
@@ -8227,7 +8215,7 @@
               </a14:hiddenEffects>
             </a:ext>
             <a:ext uri="{FAA26D3D-D897-4be2-8F04-BA451C77F1D7}">
-              <ma14:placeholderFlag xmlns="" xmlns:ma14="http://schemas.microsoft.com/office/mac/drawingml/2011/main" val="1"/>
+              <ma14:placeholderFlag xmlns:ma14="http://schemas.microsoft.com/office/mac/drawingml/2011/main" xmlns="" val="1"/>
             </a:ext>
           </a:extLst>
         </p:spPr>
@@ -8332,7 +8320,7 @@
             <a:effectLst/>
             <a:extLst>
               <a:ext uri="{AF507438-7753-43e0-B8FC-AC1667EBCBE1}">
-                <a14:hiddenEffects xmlns="" xmlns:a14="http://schemas.microsoft.com/office/drawing/2010/main">
+                <a14:hiddenEffects xmlns:a14="http://schemas.microsoft.com/office/drawing/2010/main" xmlns="">
                   <a:effectLst>
                     <a:outerShdw blurRad="63500" dist="38099" dir="2700000" algn="ctr" rotWithShape="0">
                       <a:schemeClr val="bg2">
@@ -9070,14 +9058,14 @@
         <p:spPr>
           <a:extLst>
             <a:ext uri="{909E8E84-426E-40dd-AFC4-6F175D3DCCD1}">
-              <a14:hiddenFill xmlns:a14="http://schemas.microsoft.com/office/drawing/2010/main" xmlns="">
+              <a14:hiddenFill xmlns="" xmlns:a14="http://schemas.microsoft.com/office/drawing/2010/main">
                 <a:solidFill>
                   <a:schemeClr val="accent1"/>
                 </a:solidFill>
               </a14:hiddenFill>
             </a:ext>
             <a:ext uri="{91240B29-F687-4f45-9708-019B960494DF}">
-              <a14:hiddenLine xmlns:a14="http://schemas.microsoft.com/office/drawing/2010/main" xmlns="" w="9525">
+              <a14:hiddenLine xmlns="" xmlns:a14="http://schemas.microsoft.com/office/drawing/2010/main" w="9525">
                 <a:solidFill>
                   <a:schemeClr val="tx1"/>
                 </a:solidFill>
@@ -9087,7 +9075,7 @@
               </a14:hiddenLine>
             </a:ext>
             <a:ext uri="{AF507438-7753-43e0-B8FC-AC1667EBCBE1}">
-              <a14:hiddenEffects xmlns:a14="http://schemas.microsoft.com/office/drawing/2010/main" xmlns="">
+              <a14:hiddenEffects xmlns="" xmlns:a14="http://schemas.microsoft.com/office/drawing/2010/main">
                 <a:effectLst>
                   <a:outerShdw blurRad="63500" dist="38099" dir="2700000" algn="ctr" rotWithShape="0">
                     <a:schemeClr val="bg2">
@@ -9098,7 +9086,7 @@
               </a14:hiddenEffects>
             </a:ext>
             <a:ext uri="{FAA26D3D-D897-4be2-8F04-BA451C77F1D7}">
-              <ma14:placeholderFlag xmlns:ma14="http://schemas.microsoft.com/office/mac/drawingml/2011/main" xmlns="" val="1"/>
+              <ma14:placeholderFlag xmlns="" xmlns:ma14="http://schemas.microsoft.com/office/mac/drawingml/2011/main" val="1"/>
             </a:ext>
           </a:extLst>
         </p:spPr>
@@ -9203,7 +9191,7 @@
             <a:effectLst/>
             <a:extLst>
               <a:ext uri="{AF507438-7753-43e0-B8FC-AC1667EBCBE1}">
-                <a14:hiddenEffects xmlns:a14="http://schemas.microsoft.com/office/drawing/2010/main" xmlns="">
+                <a14:hiddenEffects xmlns="" xmlns:a14="http://schemas.microsoft.com/office/drawing/2010/main">
                   <a:effectLst>
                     <a:outerShdw blurRad="63500" dist="38099" dir="2700000" algn="ctr" rotWithShape="0">
                       <a:schemeClr val="bg2">
@@ -9995,7 +9983,7 @@
             <a:effectLst/>
             <a:extLst>
               <a:ext uri="{AF507438-7753-43e0-B8FC-AC1667EBCBE1}">
-                <a14:hiddenEffects xmlns:a14="http://schemas.microsoft.com/office/drawing/2010/main" xmlns="">
+                <a14:hiddenEffects xmlns="" xmlns:a14="http://schemas.microsoft.com/office/drawing/2010/main">
                   <a:effectLst>
                     <a:outerShdw blurRad="63500" dist="38099" dir="2700000" algn="ctr" rotWithShape="0">
                       <a:schemeClr val="bg2">
@@ -10439,7 +10427,7 @@
           <a:effectLst/>
           <a:extLst>
             <a:ext uri="{AF507438-7753-43e0-B8FC-AC1667EBCBE1}">
-              <a14:hiddenEffects xmlns:a14="http://schemas.microsoft.com/office/drawing/2010/main" xmlns="">
+              <a14:hiddenEffects xmlns="" xmlns:a14="http://schemas.microsoft.com/office/drawing/2010/main">
                 <a:effectLst>
                   <a:outerShdw blurRad="63500" dist="38099" dir="2700000" algn="ctr" rotWithShape="0">
                     <a:schemeClr val="bg2">
@@ -10700,7 +10688,7 @@
           <a:effectLst/>
           <a:extLst>
             <a:ext uri="{AF507438-7753-43e0-B8FC-AC1667EBCBE1}">
-              <a14:hiddenEffects xmlns:a14="http://schemas.microsoft.com/office/drawing/2010/main" xmlns="">
+              <a14:hiddenEffects xmlns="" xmlns:a14="http://schemas.microsoft.com/office/drawing/2010/main">
                 <a:effectLst>
                   <a:outerShdw blurRad="63500" dist="38099" dir="2700000" algn="ctr" rotWithShape="0">
                     <a:schemeClr val="bg2">
@@ -11250,7 +11238,7 @@
         <a:effectLst/>
         <a:extLst>
           <a:ext uri="{AF507438-7753-43e0-B8FC-AC1667EBCBE1}">
-            <a14:hiddenEffects xmlns="" xmlns:a14="http://schemas.microsoft.com/office/drawing/2010/main">
+            <a14:hiddenEffects xmlns:a14="http://schemas.microsoft.com/office/drawing/2010/main" xmlns="">
               <a:effectLst>
                 <a:outerShdw blurRad="63500" dist="38099" dir="2700000" algn="ctr" rotWithShape="0">
                   <a:schemeClr val="bg2">
@@ -11326,7 +11314,7 @@
         <a:effectLst/>
         <a:extLst>
           <a:ext uri="{AF507438-7753-43e0-B8FC-AC1667EBCBE1}">
-            <a14:hiddenEffects xmlns="" xmlns:a14="http://schemas.microsoft.com/office/drawing/2010/main">
+            <a14:hiddenEffects xmlns:a14="http://schemas.microsoft.com/office/drawing/2010/main" xmlns="">
               <a:effectLst>
                 <a:outerShdw blurRad="63500" dist="38099" dir="2700000" algn="ctr" rotWithShape="0">
                   <a:schemeClr val="bg2">
